--- a/bigbluebutton-config/web/default.pptx
+++ b/bigbluebutton-config/web/default.pptx
@@ -5,29 +5,28 @@
     <p:sldMasterId id="2147483648" r:id="rId1"/>
   </p:sldMasterIdLst>
   <p:notesMasterIdLst>
-    <p:notesMasterId r:id="rId22"/>
+    <p:notesMasterId r:id="rId21"/>
   </p:notesMasterIdLst>
   <p:sldIdLst>
-    <p:sldId id="256" r:id="rId2"/>
-    <p:sldId id="257" r:id="rId3"/>
-    <p:sldId id="258" r:id="rId4"/>
-    <p:sldId id="259" r:id="rId5"/>
-    <p:sldId id="261" r:id="rId6"/>
-    <p:sldId id="260" r:id="rId7"/>
-    <p:sldId id="262" r:id="rId8"/>
-    <p:sldId id="263" r:id="rId9"/>
-    <p:sldId id="264" r:id="rId10"/>
-    <p:sldId id="265" r:id="rId11"/>
-    <p:sldId id="266" r:id="rId12"/>
-    <p:sldId id="267" r:id="rId13"/>
-    <p:sldId id="268" r:id="rId14"/>
-    <p:sldId id="269" r:id="rId15"/>
-    <p:sldId id="270" r:id="rId16"/>
-    <p:sldId id="271" r:id="rId17"/>
-    <p:sldId id="272" r:id="rId18"/>
-    <p:sldId id="273" r:id="rId19"/>
-    <p:sldId id="274" r:id="rId20"/>
-    <p:sldId id="275" r:id="rId21"/>
+    <p:sldId id="257" r:id="rId2"/>
+    <p:sldId id="258" r:id="rId3"/>
+    <p:sldId id="259" r:id="rId4"/>
+    <p:sldId id="261" r:id="rId5"/>
+    <p:sldId id="260" r:id="rId6"/>
+    <p:sldId id="262" r:id="rId7"/>
+    <p:sldId id="263" r:id="rId8"/>
+    <p:sldId id="264" r:id="rId9"/>
+    <p:sldId id="265" r:id="rId10"/>
+    <p:sldId id="266" r:id="rId11"/>
+    <p:sldId id="267" r:id="rId12"/>
+    <p:sldId id="268" r:id="rId13"/>
+    <p:sldId id="269" r:id="rId14"/>
+    <p:sldId id="270" r:id="rId15"/>
+    <p:sldId id="271" r:id="rId16"/>
+    <p:sldId id="272" r:id="rId17"/>
+    <p:sldId id="273" r:id="rId18"/>
+    <p:sldId id="274" r:id="rId19"/>
+    <p:sldId id="275" r:id="rId20"/>
   </p:sldIdLst>
   <p:sldSz cx="24384000" cy="13716000"/>
   <p:notesSz cx="6858000" cy="9144000"/>
@@ -537,451 +536,6 @@
 </file>
 
 <file path=ppt/slideLayouts/slideLayout1.xml><?xml version="1.0" encoding="utf-8"?>
-<p:sldLayout xmlns:a="http://schemas.openxmlformats.org/drawingml/2006/main" xmlns:r="http://schemas.openxmlformats.org/officeDocument/2006/relationships" xmlns:p="http://schemas.openxmlformats.org/presentationml/2006/main" type="title">
-  <p:cSld name="Title &amp; Subtitle">
-    <p:spTree>
-      <p:nvGrpSpPr>
-        <p:cNvPr id="1" name=""/>
-        <p:cNvGrpSpPr/>
-        <p:nvPr/>
-      </p:nvGrpSpPr>
-      <p:grpSpPr>
-        <a:xfrm>
-          <a:off x="0" y="0"/>
-          <a:ext cx="0" cy="0"/>
-          <a:chOff x="0" y="0"/>
-          <a:chExt cx="0" cy="0"/>
-        </a:xfrm>
-      </p:grpSpPr>
-      <p:sp>
-        <p:nvSpPr>
-          <p:cNvPr id="11" name="Title Text"/>
-          <p:cNvSpPr txBox="1">
-            <a:spLocks noGrp="1"/>
-          </p:cNvSpPr>
-          <p:nvPr>
-            <p:ph type="title"/>
-          </p:nvPr>
-        </p:nvSpPr>
-        <p:spPr>
-          <a:xfrm>
-            <a:off x="1778000" y="2298700"/>
-            <a:ext cx="20828000" cy="4648200"/>
-          </a:xfrm>
-          <a:prstGeom prst="rect">
-            <a:avLst/>
-          </a:prstGeom>
-        </p:spPr>
-        <p:txBody>
-          <a:bodyPr anchor="b"/>
-          <a:lstStyle/>
-          <a:p>
-            <a:r>
-              <a:t>Title Text</a:t>
-            </a:r>
-          </a:p>
-        </p:txBody>
-      </p:sp>
-      <p:sp>
-        <p:nvSpPr>
-          <p:cNvPr id="12" name="Body Level One…"/>
-          <p:cNvSpPr txBox="1">
-            <a:spLocks noGrp="1"/>
-          </p:cNvSpPr>
-          <p:nvPr>
-            <p:ph type="body" sz="quarter" idx="1"/>
-          </p:nvPr>
-        </p:nvSpPr>
-        <p:spPr>
-          <a:xfrm>
-            <a:off x="1778000" y="7073900"/>
-            <a:ext cx="20828000" cy="1587500"/>
-          </a:xfrm>
-          <a:prstGeom prst="rect">
-            <a:avLst/>
-          </a:prstGeom>
-        </p:spPr>
-        <p:txBody>
-          <a:bodyPr anchor="t"/>
-          <a:lstStyle>
-            <a:lvl1pPr marL="0" indent="0" algn="ctr">
-              <a:spcBef>
-                <a:spcPts val="0"/>
-              </a:spcBef>
-              <a:buSzTx/>
-              <a:buNone/>
-              <a:defRPr sz="5400"/>
-            </a:lvl1pPr>
-            <a:lvl2pPr marL="0" indent="0" algn="ctr">
-              <a:spcBef>
-                <a:spcPts val="0"/>
-              </a:spcBef>
-              <a:buSzTx/>
-              <a:buNone/>
-              <a:defRPr sz="5400"/>
-            </a:lvl2pPr>
-            <a:lvl3pPr marL="0" indent="0" algn="ctr">
-              <a:spcBef>
-                <a:spcPts val="0"/>
-              </a:spcBef>
-              <a:buSzTx/>
-              <a:buNone/>
-              <a:defRPr sz="5400"/>
-            </a:lvl3pPr>
-            <a:lvl4pPr marL="0" indent="0" algn="ctr">
-              <a:spcBef>
-                <a:spcPts val="0"/>
-              </a:spcBef>
-              <a:buSzTx/>
-              <a:buNone/>
-              <a:defRPr sz="5400"/>
-            </a:lvl4pPr>
-            <a:lvl5pPr marL="0" indent="0" algn="ctr">
-              <a:spcBef>
-                <a:spcPts val="0"/>
-              </a:spcBef>
-              <a:buSzTx/>
-              <a:buNone/>
-              <a:defRPr sz="5400"/>
-            </a:lvl5pPr>
-          </a:lstStyle>
-          <a:p>
-            <a:r>
-              <a:t>Body Level One</a:t>
-            </a:r>
-          </a:p>
-          <a:p>
-            <a:pPr lvl="1"/>
-            <a:r>
-              <a:t>Body Level Two</a:t>
-            </a:r>
-          </a:p>
-          <a:p>
-            <a:pPr lvl="2"/>
-            <a:r>
-              <a:t>Body Level Three</a:t>
-            </a:r>
-          </a:p>
-          <a:p>
-            <a:pPr lvl="3"/>
-            <a:r>
-              <a:t>Body Level Four</a:t>
-            </a:r>
-          </a:p>
-          <a:p>
-            <a:pPr lvl="4"/>
-            <a:r>
-              <a:t>Body Level Five</a:t>
-            </a:r>
-          </a:p>
-        </p:txBody>
-      </p:sp>
-      <p:sp>
-        <p:nvSpPr>
-          <p:cNvPr id="13" name="Slide Number"/>
-          <p:cNvSpPr txBox="1">
-            <a:spLocks noGrp="1"/>
-          </p:cNvSpPr>
-          <p:nvPr>
-            <p:ph type="sldNum" sz="quarter" idx="2"/>
-          </p:nvPr>
-        </p:nvSpPr>
-        <p:spPr>
-          <a:prstGeom prst="rect">
-            <a:avLst/>
-          </a:prstGeom>
-        </p:spPr>
-        <p:txBody>
-          <a:bodyPr/>
-          <a:lstStyle/>
-          <a:p>
-            <a:fld id="{86CB4B4D-7CA3-9044-876B-883B54F8677D}" type="slidenum">
-              <a:t>‹#›</a:t>
-            </a:fld>
-            <a:endParaRPr/>
-          </a:p>
-        </p:txBody>
-      </p:sp>
-    </p:spTree>
-  </p:cSld>
-  <p:clrMapOvr>
-    <a:masterClrMapping/>
-  </p:clrMapOvr>
-  <p:transition spd="med"/>
-</p:sldLayout>
-</file>
-
-<file path=ppt/slideLayouts/slideLayout10.xml><?xml version="1.0" encoding="utf-8"?>
-<p:sldLayout xmlns:a="http://schemas.openxmlformats.org/drawingml/2006/main" xmlns:r="http://schemas.openxmlformats.org/officeDocument/2006/relationships" xmlns:p="http://schemas.openxmlformats.org/presentationml/2006/main" type="tx">
-  <p:cSld name="Quote">
-    <p:spTree>
-      <p:nvGrpSpPr>
-        <p:cNvPr id="1" name=""/>
-        <p:cNvGrpSpPr/>
-        <p:nvPr/>
-      </p:nvGrpSpPr>
-      <p:grpSpPr>
-        <a:xfrm>
-          <a:off x="0" y="0"/>
-          <a:ext cx="0" cy="0"/>
-          <a:chOff x="0" y="0"/>
-          <a:chExt cx="0" cy="0"/>
-        </a:xfrm>
-      </p:grpSpPr>
-      <p:sp>
-        <p:nvSpPr>
-          <p:cNvPr id="93" name="–Johnny Appleseed"/>
-          <p:cNvSpPr txBox="1">
-            <a:spLocks noGrp="1"/>
-          </p:cNvSpPr>
-          <p:nvPr>
-            <p:ph type="body" sz="quarter" idx="13"/>
-          </p:nvPr>
-        </p:nvSpPr>
-        <p:spPr>
-          <a:xfrm>
-            <a:off x="2387600" y="8953500"/>
-            <a:ext cx="19621500" cy="585521"/>
-          </a:xfrm>
-          <a:prstGeom prst="rect">
-            <a:avLst/>
-          </a:prstGeom>
-        </p:spPr>
-        <p:txBody>
-          <a:bodyPr anchor="t">
-            <a:spAutoFit/>
-          </a:bodyPr>
-          <a:lstStyle>
-            <a:lvl1pPr marL="0" indent="0" algn="ctr">
-              <a:spcBef>
-                <a:spcPts val="0"/>
-              </a:spcBef>
-              <a:buSzTx/>
-              <a:buNone/>
-              <a:defRPr sz="3200" i="1"/>
-            </a:lvl1pPr>
-          </a:lstStyle>
-          <a:p>
-            <a:r>
-              <a:t>–Johnny Appleseed</a:t>
-            </a:r>
-          </a:p>
-        </p:txBody>
-      </p:sp>
-      <p:sp>
-        <p:nvSpPr>
-          <p:cNvPr id="94" name="“Type a quote here.”"/>
-          <p:cNvSpPr txBox="1">
-            <a:spLocks noGrp="1"/>
-          </p:cNvSpPr>
-          <p:nvPr>
-            <p:ph type="body" sz="quarter" idx="14"/>
-          </p:nvPr>
-        </p:nvSpPr>
-        <p:spPr>
-          <a:xfrm>
-            <a:off x="2387600" y="6076950"/>
-            <a:ext cx="19621500" cy="825500"/>
-          </a:xfrm>
-          <a:prstGeom prst="rect">
-            <a:avLst/>
-          </a:prstGeom>
-        </p:spPr>
-        <p:txBody>
-          <a:bodyPr>
-            <a:spAutoFit/>
-          </a:bodyPr>
-          <a:lstStyle>
-            <a:lvl1pPr marL="0" indent="0" algn="ctr">
-              <a:spcBef>
-                <a:spcPts val="0"/>
-              </a:spcBef>
-              <a:buSzTx/>
-              <a:buNone/>
-              <a:defRPr sz="4800">
-                <a:latin typeface="+mn-lt"/>
-                <a:ea typeface="+mn-ea"/>
-                <a:cs typeface="+mn-cs"/>
-                <a:sym typeface="Helvetica Neue Medium"/>
-              </a:defRPr>
-            </a:lvl1pPr>
-          </a:lstStyle>
-          <a:p>
-            <a:r>
-              <a:t>“Type a quote here.” </a:t>
-            </a:r>
-          </a:p>
-        </p:txBody>
-      </p:sp>
-      <p:sp>
-        <p:nvSpPr>
-          <p:cNvPr id="95" name="Slide Number"/>
-          <p:cNvSpPr txBox="1">
-            <a:spLocks noGrp="1"/>
-          </p:cNvSpPr>
-          <p:nvPr>
-            <p:ph type="sldNum" sz="quarter" idx="2"/>
-          </p:nvPr>
-        </p:nvSpPr>
-        <p:spPr>
-          <a:prstGeom prst="rect">
-            <a:avLst/>
-          </a:prstGeom>
-        </p:spPr>
-        <p:txBody>
-          <a:bodyPr/>
-          <a:lstStyle/>
-          <a:p>
-            <a:fld id="{86CB4B4D-7CA3-9044-876B-883B54F8677D}" type="slidenum">
-              <a:t>‹#›</a:t>
-            </a:fld>
-            <a:endParaRPr/>
-          </a:p>
-        </p:txBody>
-      </p:sp>
-    </p:spTree>
-  </p:cSld>
-  <p:clrMapOvr>
-    <a:masterClrMapping/>
-  </p:clrMapOvr>
-  <p:transition spd="med"/>
-</p:sldLayout>
-</file>
-
-<file path=ppt/slideLayouts/slideLayout11.xml><?xml version="1.0" encoding="utf-8"?>
-<p:sldLayout xmlns:a="http://schemas.openxmlformats.org/drawingml/2006/main" xmlns:r="http://schemas.openxmlformats.org/officeDocument/2006/relationships" xmlns:p="http://schemas.openxmlformats.org/presentationml/2006/main" type="tx">
-  <p:cSld name="Photo">
-    <p:spTree>
-      <p:nvGrpSpPr>
-        <p:cNvPr id="1" name=""/>
-        <p:cNvGrpSpPr/>
-        <p:nvPr/>
-      </p:nvGrpSpPr>
-      <p:grpSpPr>
-        <a:xfrm>
-          <a:off x="0" y="0"/>
-          <a:ext cx="0" cy="0"/>
-          <a:chOff x="0" y="0"/>
-          <a:chExt cx="0" cy="0"/>
-        </a:xfrm>
-      </p:grpSpPr>
-      <p:sp>
-        <p:nvSpPr>
-          <p:cNvPr id="102" name="Image"/>
-          <p:cNvSpPr>
-            <a:spLocks noGrp="1"/>
-          </p:cNvSpPr>
-          <p:nvPr>
-            <p:ph type="pic" idx="13"/>
-          </p:nvPr>
-        </p:nvSpPr>
-        <p:spPr>
-          <a:xfrm>
-            <a:off x="0" y="0"/>
-            <a:ext cx="24384000" cy="13716000"/>
-          </a:xfrm>
-          <a:prstGeom prst="rect">
-            <a:avLst/>
-          </a:prstGeom>
-        </p:spPr>
-        <p:txBody>
-          <a:bodyPr lIns="91439" tIns="45719" rIns="91439" bIns="45719" anchor="t">
-            <a:noAutofit/>
-          </a:bodyPr>
-          <a:lstStyle/>
-          <a:p>
-            <a:endParaRPr/>
-          </a:p>
-        </p:txBody>
-      </p:sp>
-      <p:sp>
-        <p:nvSpPr>
-          <p:cNvPr id="103" name="Slide Number"/>
-          <p:cNvSpPr txBox="1">
-            <a:spLocks noGrp="1"/>
-          </p:cNvSpPr>
-          <p:nvPr>
-            <p:ph type="sldNum" sz="quarter" idx="2"/>
-          </p:nvPr>
-        </p:nvSpPr>
-        <p:spPr>
-          <a:prstGeom prst="rect">
-            <a:avLst/>
-          </a:prstGeom>
-        </p:spPr>
-        <p:txBody>
-          <a:bodyPr/>
-          <a:lstStyle/>
-          <a:p>
-            <a:fld id="{86CB4B4D-7CA3-9044-876B-883B54F8677D}" type="slidenum">
-              <a:t>‹#›</a:t>
-            </a:fld>
-            <a:endParaRPr/>
-          </a:p>
-        </p:txBody>
-      </p:sp>
-    </p:spTree>
-  </p:cSld>
-  <p:clrMapOvr>
-    <a:masterClrMapping/>
-  </p:clrMapOvr>
-  <p:transition spd="med"/>
-</p:sldLayout>
-</file>
-
-<file path=ppt/slideLayouts/slideLayout12.xml><?xml version="1.0" encoding="utf-8"?>
-<p:sldLayout xmlns:a="http://schemas.openxmlformats.org/drawingml/2006/main" xmlns:r="http://schemas.openxmlformats.org/officeDocument/2006/relationships" xmlns:p="http://schemas.openxmlformats.org/presentationml/2006/main" type="tx">
-  <p:cSld name="Blank">
-    <p:spTree>
-      <p:nvGrpSpPr>
-        <p:cNvPr id="1" name=""/>
-        <p:cNvGrpSpPr/>
-        <p:nvPr/>
-      </p:nvGrpSpPr>
-      <p:grpSpPr>
-        <a:xfrm>
-          <a:off x="0" y="0"/>
-          <a:ext cx="0" cy="0"/>
-          <a:chOff x="0" y="0"/>
-          <a:chExt cx="0" cy="0"/>
-        </a:xfrm>
-      </p:grpSpPr>
-      <p:sp>
-        <p:nvSpPr>
-          <p:cNvPr id="110" name="Slide Number"/>
-          <p:cNvSpPr txBox="1">
-            <a:spLocks noGrp="1"/>
-          </p:cNvSpPr>
-          <p:nvPr>
-            <p:ph type="sldNum" sz="quarter" idx="2"/>
-          </p:nvPr>
-        </p:nvSpPr>
-        <p:spPr>
-          <a:prstGeom prst="rect">
-            <a:avLst/>
-          </a:prstGeom>
-        </p:spPr>
-        <p:txBody>
-          <a:bodyPr/>
-          <a:lstStyle/>
-          <a:p>
-            <a:fld id="{86CB4B4D-7CA3-9044-876B-883B54F8677D}" type="slidenum">
-              <a:t>‹#›</a:t>
-            </a:fld>
-            <a:endParaRPr/>
-          </a:p>
-        </p:txBody>
-      </p:sp>
-    </p:spTree>
-  </p:cSld>
-  <p:clrMapOvr>
-    <a:masterClrMapping/>
-  </p:clrMapOvr>
-  <p:transition spd="med"/>
-</p:sldLayout>
-</file>
-
-<file path=ppt/slideLayouts/slideLayout2.xml><?xml version="1.0" encoding="utf-8"?>
 <p:sldLayout xmlns:a="http://schemas.openxmlformats.org/drawingml/2006/main" xmlns:r="http://schemas.openxmlformats.org/officeDocument/2006/relationships" xmlns:p="http://schemas.openxmlformats.org/presentationml/2006/main" type="tx">
   <p:cSld name="Photo - Horizontal">
     <p:spTree>
@@ -1185,7 +739,140 @@
 </p:sldLayout>
 </file>
 
-<file path=ppt/slideLayouts/slideLayout3.xml><?xml version="1.0" encoding="utf-8"?>
+<file path=ppt/slideLayouts/slideLayout10.xml><?xml version="1.0" encoding="utf-8"?>
+<p:sldLayout xmlns:a="http://schemas.openxmlformats.org/drawingml/2006/main" xmlns:r="http://schemas.openxmlformats.org/officeDocument/2006/relationships" xmlns:p="http://schemas.openxmlformats.org/presentationml/2006/main" type="tx">
+  <p:cSld name="Photo">
+    <p:spTree>
+      <p:nvGrpSpPr>
+        <p:cNvPr id="1" name=""/>
+        <p:cNvGrpSpPr/>
+        <p:nvPr/>
+      </p:nvGrpSpPr>
+      <p:grpSpPr>
+        <a:xfrm>
+          <a:off x="0" y="0"/>
+          <a:ext cx="0" cy="0"/>
+          <a:chOff x="0" y="0"/>
+          <a:chExt cx="0" cy="0"/>
+        </a:xfrm>
+      </p:grpSpPr>
+      <p:sp>
+        <p:nvSpPr>
+          <p:cNvPr id="102" name="Image"/>
+          <p:cNvSpPr>
+            <a:spLocks noGrp="1"/>
+          </p:cNvSpPr>
+          <p:nvPr>
+            <p:ph type="pic" idx="13"/>
+          </p:nvPr>
+        </p:nvSpPr>
+        <p:spPr>
+          <a:xfrm>
+            <a:off x="0" y="0"/>
+            <a:ext cx="24384000" cy="13716000"/>
+          </a:xfrm>
+          <a:prstGeom prst="rect">
+            <a:avLst/>
+          </a:prstGeom>
+        </p:spPr>
+        <p:txBody>
+          <a:bodyPr lIns="91439" tIns="45719" rIns="91439" bIns="45719" anchor="t">
+            <a:noAutofit/>
+          </a:bodyPr>
+          <a:lstStyle/>
+          <a:p>
+            <a:endParaRPr/>
+          </a:p>
+        </p:txBody>
+      </p:sp>
+      <p:sp>
+        <p:nvSpPr>
+          <p:cNvPr id="103" name="Slide Number"/>
+          <p:cNvSpPr txBox="1">
+            <a:spLocks noGrp="1"/>
+          </p:cNvSpPr>
+          <p:nvPr>
+            <p:ph type="sldNum" sz="quarter" idx="2"/>
+          </p:nvPr>
+        </p:nvSpPr>
+        <p:spPr>
+          <a:prstGeom prst="rect">
+            <a:avLst/>
+          </a:prstGeom>
+        </p:spPr>
+        <p:txBody>
+          <a:bodyPr/>
+          <a:lstStyle/>
+          <a:p>
+            <a:fld id="{86CB4B4D-7CA3-9044-876B-883B54F8677D}" type="slidenum">
+              <a:t>‹#›</a:t>
+            </a:fld>
+            <a:endParaRPr/>
+          </a:p>
+        </p:txBody>
+      </p:sp>
+    </p:spTree>
+  </p:cSld>
+  <p:clrMapOvr>
+    <a:masterClrMapping/>
+  </p:clrMapOvr>
+  <p:transition spd="med"/>
+</p:sldLayout>
+</file>
+
+<file path=ppt/slideLayouts/slideLayout11.xml><?xml version="1.0" encoding="utf-8"?>
+<p:sldLayout xmlns:a="http://schemas.openxmlformats.org/drawingml/2006/main" xmlns:r="http://schemas.openxmlformats.org/officeDocument/2006/relationships" xmlns:p="http://schemas.openxmlformats.org/presentationml/2006/main" type="tx">
+  <p:cSld name="Blank">
+    <p:spTree>
+      <p:nvGrpSpPr>
+        <p:cNvPr id="1" name=""/>
+        <p:cNvGrpSpPr/>
+        <p:nvPr/>
+      </p:nvGrpSpPr>
+      <p:grpSpPr>
+        <a:xfrm>
+          <a:off x="0" y="0"/>
+          <a:ext cx="0" cy="0"/>
+          <a:chOff x="0" y="0"/>
+          <a:chExt cx="0" cy="0"/>
+        </a:xfrm>
+      </p:grpSpPr>
+      <p:sp>
+        <p:nvSpPr>
+          <p:cNvPr id="110" name="Slide Number"/>
+          <p:cNvSpPr txBox="1">
+            <a:spLocks noGrp="1"/>
+          </p:cNvSpPr>
+          <p:nvPr>
+            <p:ph type="sldNum" sz="quarter" idx="2"/>
+          </p:nvPr>
+        </p:nvSpPr>
+        <p:spPr>
+          <a:prstGeom prst="rect">
+            <a:avLst/>
+          </a:prstGeom>
+        </p:spPr>
+        <p:txBody>
+          <a:bodyPr/>
+          <a:lstStyle/>
+          <a:p>
+            <a:fld id="{86CB4B4D-7CA3-9044-876B-883B54F8677D}" type="slidenum">
+              <a:t>‹#›</a:t>
+            </a:fld>
+            <a:endParaRPr/>
+          </a:p>
+        </p:txBody>
+      </p:sp>
+    </p:spTree>
+  </p:cSld>
+  <p:clrMapOvr>
+    <a:masterClrMapping/>
+  </p:clrMapOvr>
+  <p:transition spd="med"/>
+</p:sldLayout>
+</file>
+
+<file path=ppt/slideLayouts/slideLayout2.xml><?xml version="1.0" encoding="utf-8"?>
 <p:sldLayout xmlns:a="http://schemas.openxmlformats.org/drawingml/2006/main" xmlns:r="http://schemas.openxmlformats.org/officeDocument/2006/relationships" xmlns:p="http://schemas.openxmlformats.org/presentationml/2006/main" type="tx">
   <p:cSld name="Title - Center">
     <p:spTree>
@@ -1266,7 +953,7 @@
 </p:sldLayout>
 </file>
 
-<file path=ppt/slideLayouts/slideLayout4.xml><?xml version="1.0" encoding="utf-8"?>
+<file path=ppt/slideLayouts/slideLayout3.xml><?xml version="1.0" encoding="utf-8"?>
 <p:sldLayout xmlns:a="http://schemas.openxmlformats.org/drawingml/2006/main" xmlns:r="http://schemas.openxmlformats.org/officeDocument/2006/relationships" xmlns:p="http://schemas.openxmlformats.org/presentationml/2006/main" type="tx">
   <p:cSld name="Photo - Vertical">
     <p:spTree>
@@ -1474,7 +1161,7 @@
 </p:sldLayout>
 </file>
 
-<file path=ppt/slideLayouts/slideLayout5.xml><?xml version="1.0" encoding="utf-8"?>
+<file path=ppt/slideLayouts/slideLayout4.xml><?xml version="1.0" encoding="utf-8"?>
 <p:sldLayout xmlns:a="http://schemas.openxmlformats.org/drawingml/2006/main" xmlns:r="http://schemas.openxmlformats.org/officeDocument/2006/relationships" xmlns:p="http://schemas.openxmlformats.org/presentationml/2006/main" type="tx">
   <p:cSld name="Title - Top">
     <p:spTree>
@@ -1551,7 +1238,7 @@
 </p:sldLayout>
 </file>
 
-<file path=ppt/slideLayouts/slideLayout6.xml><?xml version="1.0" encoding="utf-8"?>
+<file path=ppt/slideLayouts/slideLayout5.xml><?xml version="1.0" encoding="utf-8"?>
 <p:sldLayout xmlns:a="http://schemas.openxmlformats.org/drawingml/2006/main" xmlns:r="http://schemas.openxmlformats.org/officeDocument/2006/relationships" xmlns:p="http://schemas.openxmlformats.org/presentationml/2006/main" type="tx">
   <p:cSld name="Title &amp; Bullets">
     <p:spTree>
@@ -1693,7 +1380,7 @@
 </p:sldLayout>
 </file>
 
-<file path=ppt/slideLayouts/slideLayout7.xml><?xml version="1.0" encoding="utf-8"?>
+<file path=ppt/slideLayouts/slideLayout6.xml><?xml version="1.0" encoding="utf-8"?>
 <p:sldLayout xmlns:a="http://schemas.openxmlformats.org/drawingml/2006/main" xmlns:r="http://schemas.openxmlformats.org/officeDocument/2006/relationships" xmlns:p="http://schemas.openxmlformats.org/presentationml/2006/main" type="tx">
   <p:cSld name="Title, Bullets &amp; Photo">
     <p:spTree>
@@ -1883,7 +1570,7 @@
 </p:sldLayout>
 </file>
 
-<file path=ppt/slideLayouts/slideLayout8.xml><?xml version="1.0" encoding="utf-8"?>
+<file path=ppt/slideLayouts/slideLayout7.xml><?xml version="1.0" encoding="utf-8"?>
 <p:sldLayout xmlns:a="http://schemas.openxmlformats.org/drawingml/2006/main" xmlns:r="http://schemas.openxmlformats.org/officeDocument/2006/relationships" xmlns:p="http://schemas.openxmlformats.org/presentationml/2006/main" type="tx">
   <p:cSld name="Bullets">
     <p:spTree>
@@ -2004,7 +1691,7 @@
 </p:sldLayout>
 </file>
 
-<file path=ppt/slideLayouts/slideLayout9.xml><?xml version="1.0" encoding="utf-8"?>
+<file path=ppt/slideLayouts/slideLayout8.xml><?xml version="1.0" encoding="utf-8"?>
 <p:sldLayout xmlns:a="http://schemas.openxmlformats.org/drawingml/2006/main" xmlns:r="http://schemas.openxmlformats.org/officeDocument/2006/relationships" xmlns:p="http://schemas.openxmlformats.org/presentationml/2006/main" type="tx">
   <p:cSld name="Photo - 3 Up">
     <p:spTree>
@@ -2111,6 +1798,143 @@
       <p:sp>
         <p:nvSpPr>
           <p:cNvPr id="86" name="Slide Number"/>
+          <p:cNvSpPr txBox="1">
+            <a:spLocks noGrp="1"/>
+          </p:cNvSpPr>
+          <p:nvPr>
+            <p:ph type="sldNum" sz="quarter" idx="2"/>
+          </p:nvPr>
+        </p:nvSpPr>
+        <p:spPr>
+          <a:prstGeom prst="rect">
+            <a:avLst/>
+          </a:prstGeom>
+        </p:spPr>
+        <p:txBody>
+          <a:bodyPr/>
+          <a:lstStyle/>
+          <a:p>
+            <a:fld id="{86CB4B4D-7CA3-9044-876B-883B54F8677D}" type="slidenum">
+              <a:t>‹#›</a:t>
+            </a:fld>
+            <a:endParaRPr/>
+          </a:p>
+        </p:txBody>
+      </p:sp>
+    </p:spTree>
+  </p:cSld>
+  <p:clrMapOvr>
+    <a:masterClrMapping/>
+  </p:clrMapOvr>
+  <p:transition spd="med"/>
+</p:sldLayout>
+</file>
+
+<file path=ppt/slideLayouts/slideLayout9.xml><?xml version="1.0" encoding="utf-8"?>
+<p:sldLayout xmlns:a="http://schemas.openxmlformats.org/drawingml/2006/main" xmlns:r="http://schemas.openxmlformats.org/officeDocument/2006/relationships" xmlns:p="http://schemas.openxmlformats.org/presentationml/2006/main" type="tx">
+  <p:cSld name="Quote">
+    <p:spTree>
+      <p:nvGrpSpPr>
+        <p:cNvPr id="1" name=""/>
+        <p:cNvGrpSpPr/>
+        <p:nvPr/>
+      </p:nvGrpSpPr>
+      <p:grpSpPr>
+        <a:xfrm>
+          <a:off x="0" y="0"/>
+          <a:ext cx="0" cy="0"/>
+          <a:chOff x="0" y="0"/>
+          <a:chExt cx="0" cy="0"/>
+        </a:xfrm>
+      </p:grpSpPr>
+      <p:sp>
+        <p:nvSpPr>
+          <p:cNvPr id="93" name="–Johnny Appleseed"/>
+          <p:cNvSpPr txBox="1">
+            <a:spLocks noGrp="1"/>
+          </p:cNvSpPr>
+          <p:nvPr>
+            <p:ph type="body" sz="quarter" idx="13"/>
+          </p:nvPr>
+        </p:nvSpPr>
+        <p:spPr>
+          <a:xfrm>
+            <a:off x="2387600" y="8953500"/>
+            <a:ext cx="19621500" cy="585521"/>
+          </a:xfrm>
+          <a:prstGeom prst="rect">
+            <a:avLst/>
+          </a:prstGeom>
+        </p:spPr>
+        <p:txBody>
+          <a:bodyPr anchor="t">
+            <a:spAutoFit/>
+          </a:bodyPr>
+          <a:lstStyle>
+            <a:lvl1pPr marL="0" indent="0" algn="ctr">
+              <a:spcBef>
+                <a:spcPts val="0"/>
+              </a:spcBef>
+              <a:buSzTx/>
+              <a:buNone/>
+              <a:defRPr sz="3200" i="1"/>
+            </a:lvl1pPr>
+          </a:lstStyle>
+          <a:p>
+            <a:r>
+              <a:t>–Johnny Appleseed</a:t>
+            </a:r>
+          </a:p>
+        </p:txBody>
+      </p:sp>
+      <p:sp>
+        <p:nvSpPr>
+          <p:cNvPr id="94" name="“Type a quote here.”"/>
+          <p:cNvSpPr txBox="1">
+            <a:spLocks noGrp="1"/>
+          </p:cNvSpPr>
+          <p:nvPr>
+            <p:ph type="body" sz="quarter" idx="14"/>
+          </p:nvPr>
+        </p:nvSpPr>
+        <p:spPr>
+          <a:xfrm>
+            <a:off x="2387600" y="6076950"/>
+            <a:ext cx="19621500" cy="825500"/>
+          </a:xfrm>
+          <a:prstGeom prst="rect">
+            <a:avLst/>
+          </a:prstGeom>
+        </p:spPr>
+        <p:txBody>
+          <a:bodyPr>
+            <a:spAutoFit/>
+          </a:bodyPr>
+          <a:lstStyle>
+            <a:lvl1pPr marL="0" indent="0" algn="ctr">
+              <a:spcBef>
+                <a:spcPts val="0"/>
+              </a:spcBef>
+              <a:buSzTx/>
+              <a:buNone/>
+              <a:defRPr sz="4800">
+                <a:latin typeface="+mn-lt"/>
+                <a:ea typeface="+mn-ea"/>
+                <a:cs typeface="+mn-cs"/>
+                <a:sym typeface="Helvetica Neue Medium"/>
+              </a:defRPr>
+            </a:lvl1pPr>
+          </a:lstStyle>
+          <a:p>
+            <a:r>
+              <a:t>“Type a quote here.” </a:t>
+            </a:r>
+          </a:p>
+        </p:txBody>
+      </p:sp>
+      <p:sp>
+        <p:nvSpPr>
+          <p:cNvPr id="95" name="Slide Number"/>
           <p:cNvSpPr txBox="1">
             <a:spLocks noGrp="1"/>
           </p:cNvSpPr>
@@ -2191,7 +2015,7 @@
           </a:ln>
           <a:extLst>
             <a:ext uri="{C572A759-6A51-4108-AA02-DFA0A04FC94B}">
-              <ma14:wrappingTextBoxFlag xmlns:ma14="http://schemas.microsoft.com/office/mac/drawingml/2011/main" xmlns="" val="1"/>
+              <ma14:wrappingTextBoxFlag xmlns="" xmlns:ma14="http://schemas.microsoft.com/office/mac/drawingml/2011/main" val="1"/>
             </a:ext>
           </a:extLst>
         </p:spPr>
@@ -2230,7 +2054,7 @@
           </a:ln>
           <a:extLst>
             <a:ext uri="{C572A759-6A51-4108-AA02-DFA0A04FC94B}">
-              <ma14:wrappingTextBoxFlag xmlns:ma14="http://schemas.microsoft.com/office/mac/drawingml/2011/main" xmlns="" val="1"/>
+              <ma14:wrappingTextBoxFlag xmlns="" xmlns:ma14="http://schemas.microsoft.com/office/mac/drawingml/2011/main" val="1"/>
             </a:ext>
           </a:extLst>
         </p:spPr>
@@ -2318,18 +2142,17 @@
   </p:cSld>
   <p:clrMap bg1="lt1" tx1="dk1" bg2="lt2" tx2="dk2" accent1="accent1" accent2="accent2" accent3="accent3" accent4="accent4" accent5="accent5" accent6="accent6" hlink="hlink" folHlink="folHlink"/>
   <p:sldLayoutIdLst>
-    <p:sldLayoutId id="2147483649" r:id="rId1"/>
-    <p:sldLayoutId id="2147483650" r:id="rId2"/>
-    <p:sldLayoutId id="2147483651" r:id="rId3"/>
-    <p:sldLayoutId id="2147483652" r:id="rId4"/>
-    <p:sldLayoutId id="2147483653" r:id="rId5"/>
-    <p:sldLayoutId id="2147483654" r:id="rId6"/>
-    <p:sldLayoutId id="2147483655" r:id="rId7"/>
-    <p:sldLayoutId id="2147483656" r:id="rId8"/>
-    <p:sldLayoutId id="2147483657" r:id="rId9"/>
-    <p:sldLayoutId id="2147483658" r:id="rId10"/>
-    <p:sldLayoutId id="2147483659" r:id="rId11"/>
-    <p:sldLayoutId id="2147483660" r:id="rId12"/>
+    <p:sldLayoutId id="2147483650" r:id="rId1"/>
+    <p:sldLayoutId id="2147483651" r:id="rId2"/>
+    <p:sldLayoutId id="2147483652" r:id="rId3"/>
+    <p:sldLayoutId id="2147483653" r:id="rId4"/>
+    <p:sldLayoutId id="2147483654" r:id="rId5"/>
+    <p:sldLayoutId id="2147483655" r:id="rId6"/>
+    <p:sldLayoutId id="2147483656" r:id="rId7"/>
+    <p:sldLayoutId id="2147483657" r:id="rId8"/>
+    <p:sldLayoutId id="2147483658" r:id="rId9"/>
+    <p:sldLayoutId id="2147483659" r:id="rId10"/>
+    <p:sldLayoutId id="2147483660" r:id="rId11"/>
   </p:sldLayoutIdLst>
   <p:transition spd="med"/>
   <p:txStyles>
@@ -3145,1961 +2968,104 @@
       </p:grpSpPr>
       <p:sp>
         <p:nvSpPr>
-          <p:cNvPr id="119" name="Rectangle"/>
-          <p:cNvSpPr/>
-          <p:nvPr/>
-        </p:nvSpPr>
-        <p:spPr>
-          <a:xfrm>
-            <a:off x="0" y="-63500"/>
-            <a:ext cx="24384000" cy="7484170"/>
-          </a:xfrm>
-          <a:prstGeom prst="rect">
-            <a:avLst/>
-          </a:prstGeom>
-          <a:solidFill>
-            <a:srgbClr val="0486DF">
-              <a:alpha val="5000"/>
-            </a:srgbClr>
-          </a:solidFill>
-          <a:ln w="12700">
-            <a:miter lim="400000"/>
-          </a:ln>
-        </p:spPr>
-        <p:txBody>
-          <a:bodyPr lIns="0" tIns="0" rIns="0" bIns="0" anchor="ctr"/>
-          <a:lstStyle/>
-          <a:p>
-            <a:pPr>
-              <a:defRPr sz="3200" b="0">
-                <a:solidFill>
-                  <a:srgbClr val="0F70D7"/>
-                </a:solidFill>
-                <a:latin typeface="+mn-lt"/>
-                <a:ea typeface="+mn-ea"/>
-                <a:cs typeface="+mn-cs"/>
-                <a:sym typeface="Helvetica Neue Medium"/>
-              </a:defRPr>
-            </a:pPr>
-            <a:endParaRPr/>
-          </a:p>
-        </p:txBody>
-      </p:sp>
-      <p:sp>
-        <p:nvSpPr>
-          <p:cNvPr id="120" name="Welcome To BigBlueButton"/>
+          <p:cNvPr id="6" name="TextBox 5"/>
           <p:cNvSpPr txBox="1"/>
           <p:nvPr/>
         </p:nvSpPr>
         <p:spPr>
           <a:xfrm>
-            <a:off x="7224712" y="2330449"/>
-            <a:ext cx="9934576" cy="1079501"/>
+            <a:off x="6237111" y="12728316"/>
+            <a:ext cx="13095111" cy="564257"/>
           </a:xfrm>
           <a:prstGeom prst="rect">
             <a:avLst/>
           </a:prstGeom>
-          <a:ln w="12700">
+          <a:noFill/>
+          <a:ln w="12700" cap="flat">
+            <a:noFill/>
             <a:miter lim="400000"/>
           </a:ln>
-          <a:extLst>
-            <a:ext uri="{C572A759-6A51-4108-AA02-DFA0A04FC94B}">
-              <ma14:wrappingTextBoxFlag xmlns:ma14="http://schemas.microsoft.com/office/mac/drawingml/2011/main" xmlns="" val="1"/>
-            </a:ext>
-          </a:extLst>
+          <a:effectLst/>
+          <a:sp3d/>
         </p:spPr>
+        <p:style>
+          <a:lnRef idx="0">
+            <a:scrgbClr r="0" g="0" b="0"/>
+          </a:lnRef>
+          <a:fillRef idx="0">
+            <a:scrgbClr r="0" g="0" b="0"/>
+          </a:fillRef>
+          <a:effectRef idx="0">
+            <a:scrgbClr r="0" g="0" b="0"/>
+          </a:effectRef>
+          <a:fontRef idx="none"/>
+        </p:style>
         <p:txBody>
-          <a:bodyPr wrap="none" lIns="50800" tIns="50800" rIns="50800" bIns="50800" anchor="ctr">
-            <a:spAutoFit/>
-          </a:bodyPr>
-          <a:lstStyle>
-            <a:lvl1pPr>
-              <a:defRPr sz="6400" b="0">
-                <a:solidFill>
-                  <a:srgbClr val="06172A"/>
-                </a:solidFill>
-                <a:latin typeface="Helvetica"/>
-                <a:ea typeface="Helvetica"/>
-                <a:cs typeface="Helvetica"/>
-                <a:sym typeface="Helvetica"/>
-              </a:defRPr>
-            </a:lvl1pPr>
-          </a:lstStyle>
-          <a:p>
-            <a:r>
-              <a:t>Welcome To BigBlueButton</a:t>
-            </a:r>
-          </a:p>
-        </p:txBody>
-      </p:sp>
-      <p:sp>
-        <p:nvSpPr>
-          <p:cNvPr id="121" name="Line"/>
-          <p:cNvSpPr/>
-          <p:nvPr/>
-        </p:nvSpPr>
-        <p:spPr>
-          <a:xfrm>
-            <a:off x="11417300" y="4660900"/>
-            <a:ext cx="1549401" cy="0"/>
-          </a:xfrm>
-          <a:prstGeom prst="line">
-            <a:avLst/>
-          </a:prstGeom>
-          <a:ln w="25400">
-            <a:solidFill>
-              <a:srgbClr val="0F70D7"/>
-            </a:solidFill>
-            <a:miter lim="400000"/>
-          </a:ln>
-        </p:spPr>
-        <p:txBody>
-          <a:bodyPr lIns="0" tIns="0" rIns="0" bIns="0" anchor="ctr"/>
-          <a:lstStyle/>
-          <a:p>
-            <a:pPr>
-              <a:defRPr sz="3200" b="0">
-                <a:solidFill>
-                  <a:srgbClr val="FFFFFF"/>
-                </a:solidFill>
-                <a:latin typeface="+mn-lt"/>
-                <a:ea typeface="+mn-ea"/>
-                <a:cs typeface="+mn-cs"/>
-                <a:sym typeface="Helvetica Neue Medium"/>
-              </a:defRPr>
-            </a:pPr>
-            <a:endParaRPr/>
-          </a:p>
-        </p:txBody>
-      </p:sp>
-      <p:sp>
-        <p:nvSpPr>
-          <p:cNvPr id="122" name="BigBlueButton is an open source web conferencing system designed for online learning"/>
-          <p:cNvSpPr txBox="1"/>
-          <p:nvPr/>
-        </p:nvSpPr>
-        <p:spPr>
-          <a:xfrm>
-            <a:off x="4609734" y="3581400"/>
-            <a:ext cx="14834332" cy="558801"/>
-          </a:xfrm>
-          <a:prstGeom prst="rect">
-            <a:avLst/>
-          </a:prstGeom>
-          <a:ln w="12700">
-            <a:miter lim="400000"/>
-          </a:ln>
-          <a:extLst>
-            <a:ext uri="{C572A759-6A51-4108-AA02-DFA0A04FC94B}">
-              <ma14:wrappingTextBoxFlag xmlns:ma14="http://schemas.microsoft.com/office/mac/drawingml/2011/main" xmlns="" val="1"/>
-            </a:ext>
-          </a:extLst>
-        </p:spPr>
-        <p:txBody>
-          <a:bodyPr wrap="none" lIns="50800" tIns="50800" rIns="50800" bIns="50800" anchor="ctr">
-            <a:spAutoFit/>
-          </a:bodyPr>
-          <a:lstStyle>
-            <a:lvl1pPr>
-              <a:defRPr b="0">
-                <a:solidFill>
-                  <a:srgbClr val="4E5A66"/>
-                </a:solidFill>
-                <a:latin typeface="Helvetica"/>
-                <a:ea typeface="Helvetica"/>
-                <a:cs typeface="Helvetica"/>
-                <a:sym typeface="Helvetica"/>
-              </a:defRPr>
-            </a:lvl1pPr>
-          </a:lstStyle>
-          <a:p>
-            <a:r>
-              <a:rPr dirty="0"/>
-              <a:t>BigBlueButton is an open source web conferencing system designed for online learning</a:t>
-            </a:r>
-          </a:p>
-        </p:txBody>
-      </p:sp>
-      <p:sp>
-        <p:nvSpPr>
-          <p:cNvPr id="123" name="t"/>
-          <p:cNvSpPr/>
-          <p:nvPr/>
-        </p:nvSpPr>
-        <p:spPr>
-          <a:xfrm>
-            <a:off x="1483568" y="5778500"/>
-            <a:ext cx="21416864" cy="5347593"/>
-          </a:xfrm>
-          <a:prstGeom prst="rect">
-            <a:avLst/>
-          </a:prstGeom>
-          <a:solidFill>
-            <a:srgbClr val="FFFFFF"/>
-          </a:solidFill>
-          <a:ln w="12700">
-            <a:miter lim="400000"/>
-          </a:ln>
-          <a:effectLst>
-            <a:outerShdw blurRad="228600" dist="25400" dir="5400000" rotWithShape="0">
-              <a:srgbClr val="000000">
-                <a:alpha val="5794"/>
-              </a:srgbClr>
-            </a:outerShdw>
-          </a:effectLst>
-          <a:extLst>
-            <a:ext uri="{C572A759-6A51-4108-AA02-DFA0A04FC94B}">
-              <ma14:wrappingTextBoxFlag xmlns:ma14="http://schemas.microsoft.com/office/mac/drawingml/2011/main" xmlns="" val="1"/>
-            </a:ext>
-          </a:extLst>
-        </p:spPr>
-        <p:txBody>
-          <a:bodyPr lIns="0" tIns="0" rIns="0" bIns="0" anchor="ctr"/>
-          <a:lstStyle>
-            <a:lvl1pPr>
-              <a:defRPr sz="3200" b="0">
-                <a:solidFill>
-                  <a:srgbClr val="FFFFFF"/>
-                </a:solidFill>
-                <a:latin typeface="+mn-lt"/>
-                <a:ea typeface="+mn-ea"/>
-                <a:cs typeface="+mn-cs"/>
-                <a:sym typeface="Helvetica Neue Medium"/>
-              </a:defRPr>
-            </a:lvl1pPr>
-          </a:lstStyle>
-          <a:p>
-            <a:r>
-              <a:t>t</a:t>
-            </a:r>
-          </a:p>
-        </p:txBody>
-      </p:sp>
-      <p:sp>
-        <p:nvSpPr>
-          <p:cNvPr id="124" name="Instant messaging"/>
-          <p:cNvSpPr txBox="1"/>
-          <p:nvPr/>
-        </p:nvSpPr>
-        <p:spPr>
-          <a:xfrm>
-            <a:off x="3549164" y="6546899"/>
-            <a:ext cx="3320208" cy="304801"/>
-          </a:xfrm>
-          <a:prstGeom prst="rect">
-            <a:avLst/>
-          </a:prstGeom>
-          <a:ln w="12700">
-            <a:miter lim="400000"/>
-          </a:ln>
-          <a:extLst>
-            <a:ext uri="{C572A759-6A51-4108-AA02-DFA0A04FC94B}">
-              <ma14:wrappingTextBoxFlag xmlns:ma14="http://schemas.microsoft.com/office/mac/drawingml/2011/main" xmlns="" val="1"/>
-            </a:ext>
-          </a:extLst>
-        </p:spPr>
-        <p:txBody>
-          <a:bodyPr lIns="0" tIns="0" rIns="0" bIns="0">
-            <a:spAutoFit/>
-          </a:bodyPr>
-          <a:lstStyle>
-            <a:lvl1pPr algn="l">
-              <a:defRPr sz="2000" cap="all" spc="100">
-                <a:solidFill>
-                  <a:srgbClr val="24262C"/>
-                </a:solidFill>
-                <a:latin typeface="Helvetica"/>
-                <a:ea typeface="Helvetica"/>
-                <a:cs typeface="Helvetica"/>
-                <a:sym typeface="Helvetica"/>
-              </a:defRPr>
-            </a:lvl1pPr>
-          </a:lstStyle>
-          <a:p>
-            <a:r>
-              <a:rPr lang="en-US" dirty="0"/>
-              <a:t>Chat</a:t>
-            </a:r>
-            <a:endParaRPr dirty="0"/>
-          </a:p>
-        </p:txBody>
-      </p:sp>
-      <p:sp>
-        <p:nvSpPr>
-          <p:cNvPr id="125" name="Send public and private messages."/>
-          <p:cNvSpPr txBox="1"/>
-          <p:nvPr/>
-        </p:nvSpPr>
-        <p:spPr>
-          <a:xfrm>
-            <a:off x="3549164" y="7016799"/>
-            <a:ext cx="3320208" cy="1270001"/>
-          </a:xfrm>
-          <a:prstGeom prst="rect">
-            <a:avLst/>
-          </a:prstGeom>
-          <a:ln w="12700">
-            <a:miter lim="400000"/>
-          </a:ln>
-          <a:extLst>
-            <a:ext uri="{C572A759-6A51-4108-AA02-DFA0A04FC94B}">
-              <ma14:wrappingTextBoxFlag xmlns:ma14="http://schemas.microsoft.com/office/mac/drawingml/2011/main" xmlns="" val="1"/>
-            </a:ext>
-          </a:extLst>
-        </p:spPr>
-        <p:txBody>
-          <a:bodyPr lIns="0" tIns="0" rIns="0" bIns="0"/>
-          <a:lstStyle>
-            <a:lvl1pPr algn="l">
-              <a:lnSpc>
-                <a:spcPct val="120000"/>
-              </a:lnSpc>
-              <a:defRPr sz="2200" b="0" spc="66">
-                <a:solidFill>
-                  <a:srgbClr val="504E4E"/>
-                </a:solidFill>
-                <a:latin typeface="Helvetica"/>
-                <a:ea typeface="Helvetica"/>
-                <a:cs typeface="Helvetica"/>
-                <a:sym typeface="Helvetica"/>
-              </a:defRPr>
-            </a:lvl1pPr>
-          </a:lstStyle>
-          <a:p>
-            <a:r>
-              <a:t>Send public and private messages.</a:t>
-            </a:r>
-          </a:p>
-        </p:txBody>
-      </p:sp>
-      <p:sp>
-        <p:nvSpPr>
-          <p:cNvPr id="126" name="Circle"/>
-          <p:cNvSpPr/>
-          <p:nvPr/>
-        </p:nvSpPr>
-        <p:spPr>
-          <a:xfrm>
-            <a:off x="2205020" y="6573630"/>
-            <a:ext cx="1016001" cy="1016001"/>
-          </a:xfrm>
-          <a:prstGeom prst="ellipse">
-            <a:avLst/>
-          </a:prstGeom>
-          <a:solidFill>
-            <a:srgbClr val="0E70D7"/>
-          </a:solidFill>
-          <a:ln w="12700">
-            <a:miter lim="400000"/>
-          </a:ln>
-        </p:spPr>
-        <p:txBody>
-          <a:bodyPr lIns="38100" tIns="38100" rIns="38100" bIns="38100" anchor="ctr"/>
-          <a:lstStyle/>
-          <a:p>
-            <a:pPr algn="l">
-              <a:defRPr spc="-90">
-                <a:solidFill>
-                  <a:srgbClr val="0E70D7"/>
-                </a:solidFill>
-                <a:latin typeface="Helvetica"/>
-                <a:ea typeface="Helvetica"/>
-                <a:cs typeface="Helvetica"/>
-                <a:sym typeface="Helvetica"/>
-              </a:defRPr>
-            </a:pPr>
-            <a:endParaRPr/>
-          </a:p>
-        </p:txBody>
-      </p:sp>
-      <p:sp>
-        <p:nvSpPr>
-          <p:cNvPr id="127" name="Shared Webcams"/>
-          <p:cNvSpPr txBox="1"/>
-          <p:nvPr/>
-        </p:nvSpPr>
-        <p:spPr>
-          <a:xfrm>
-            <a:off x="8541660" y="6546899"/>
-            <a:ext cx="3320207" cy="304801"/>
-          </a:xfrm>
-          <a:prstGeom prst="rect">
-            <a:avLst/>
-          </a:prstGeom>
-          <a:ln w="12700">
-            <a:miter lim="400000"/>
-          </a:ln>
-          <a:extLst>
-            <a:ext uri="{C572A759-6A51-4108-AA02-DFA0A04FC94B}">
-              <ma14:wrappingTextBoxFlag xmlns:ma14="http://schemas.microsoft.com/office/mac/drawingml/2011/main" xmlns="" val="1"/>
-            </a:ext>
-          </a:extLst>
-        </p:spPr>
-        <p:txBody>
-          <a:bodyPr lIns="0" tIns="0" rIns="0" bIns="0">
-            <a:spAutoFit/>
-          </a:bodyPr>
-          <a:lstStyle>
-            <a:lvl1pPr algn="l">
-              <a:defRPr sz="2000" cap="all" spc="100">
-                <a:solidFill>
-                  <a:srgbClr val="24262C"/>
-                </a:solidFill>
-                <a:latin typeface="Helvetica"/>
-                <a:ea typeface="Helvetica"/>
-                <a:cs typeface="Helvetica"/>
-                <a:sym typeface="Helvetica"/>
-              </a:defRPr>
-            </a:lvl1pPr>
-          </a:lstStyle>
-          <a:p>
-            <a:r>
-              <a:rPr dirty="0"/>
-              <a:t>Webcams</a:t>
-            </a:r>
-          </a:p>
-        </p:txBody>
-      </p:sp>
-      <p:sp>
-        <p:nvSpPr>
-          <p:cNvPr id="128" name="Hold visual meetings."/>
-          <p:cNvSpPr txBox="1"/>
-          <p:nvPr/>
-        </p:nvSpPr>
-        <p:spPr>
-          <a:xfrm>
-            <a:off x="8541660" y="7016799"/>
-            <a:ext cx="3320207" cy="1270001"/>
-          </a:xfrm>
-          <a:prstGeom prst="rect">
-            <a:avLst/>
-          </a:prstGeom>
-          <a:ln w="12700">
-            <a:miter lim="400000"/>
-          </a:ln>
-          <a:extLst>
-            <a:ext uri="{C572A759-6A51-4108-AA02-DFA0A04FC94B}">
-              <ma14:wrappingTextBoxFlag xmlns:ma14="http://schemas.microsoft.com/office/mac/drawingml/2011/main" xmlns="" val="1"/>
-            </a:ext>
-          </a:extLst>
-        </p:spPr>
-        <p:txBody>
-          <a:bodyPr lIns="0" tIns="0" rIns="0" bIns="0"/>
-          <a:lstStyle>
-            <a:lvl1pPr algn="l">
-              <a:lnSpc>
-                <a:spcPct val="120000"/>
-              </a:lnSpc>
-              <a:defRPr sz="2200" b="0" spc="66">
-                <a:solidFill>
-                  <a:srgbClr val="504E4E"/>
-                </a:solidFill>
-                <a:latin typeface="Helvetica"/>
-                <a:ea typeface="Helvetica"/>
-                <a:cs typeface="Helvetica"/>
-                <a:sym typeface="Helvetica"/>
-              </a:defRPr>
-            </a:lvl1pPr>
-          </a:lstStyle>
-          <a:p>
-            <a:r>
-              <a:t>Hold visual meetings.</a:t>
-            </a:r>
-          </a:p>
-        </p:txBody>
-      </p:sp>
-      <p:sp>
-        <p:nvSpPr>
-          <p:cNvPr id="129" name="Circle"/>
-          <p:cNvSpPr/>
-          <p:nvPr/>
-        </p:nvSpPr>
-        <p:spPr>
-          <a:xfrm>
-            <a:off x="7197515" y="6573630"/>
-            <a:ext cx="1016001" cy="1016001"/>
-          </a:xfrm>
-          <a:prstGeom prst="ellipse">
-            <a:avLst/>
-          </a:prstGeom>
-          <a:solidFill>
-            <a:srgbClr val="0E70D7"/>
-          </a:solidFill>
-          <a:ln w="12700">
-            <a:miter lim="400000"/>
-          </a:ln>
-        </p:spPr>
-        <p:txBody>
-          <a:bodyPr lIns="38100" tIns="38100" rIns="38100" bIns="38100" anchor="ctr"/>
-          <a:lstStyle/>
-          <a:p>
-            <a:pPr algn="l">
-              <a:defRPr spc="-90">
-                <a:solidFill>
-                  <a:srgbClr val="0E70D7"/>
-                </a:solidFill>
-                <a:latin typeface="Helvetica"/>
-                <a:ea typeface="Helvetica"/>
-                <a:cs typeface="Helvetica"/>
-                <a:sym typeface="Helvetica"/>
-              </a:defRPr>
-            </a:pPr>
-            <a:endParaRPr/>
-          </a:p>
-        </p:txBody>
-      </p:sp>
-      <p:sp>
-        <p:nvSpPr>
-          <p:cNvPr id="130" name="Audio conversations"/>
-          <p:cNvSpPr txBox="1"/>
-          <p:nvPr/>
-        </p:nvSpPr>
-        <p:spPr>
-          <a:xfrm>
-            <a:off x="13851655" y="6546899"/>
-            <a:ext cx="3320207" cy="304801"/>
-          </a:xfrm>
-          <a:prstGeom prst="rect">
-            <a:avLst/>
-          </a:prstGeom>
-          <a:ln w="12700">
-            <a:miter lim="400000"/>
-          </a:ln>
-          <a:extLst>
-            <a:ext uri="{C572A759-6A51-4108-AA02-DFA0A04FC94B}">
-              <ma14:wrappingTextBoxFlag xmlns:ma14="http://schemas.microsoft.com/office/mac/drawingml/2011/main" xmlns="" val="1"/>
-            </a:ext>
-          </a:extLst>
-        </p:spPr>
-        <p:txBody>
-          <a:bodyPr lIns="0" tIns="0" rIns="0" bIns="0">
-            <a:spAutoFit/>
-          </a:bodyPr>
-          <a:lstStyle>
-            <a:lvl1pPr algn="l">
-              <a:defRPr sz="2000" cap="all" spc="100">
-                <a:solidFill>
-                  <a:srgbClr val="24262C"/>
-                </a:solidFill>
-                <a:latin typeface="Helvetica"/>
-                <a:ea typeface="Helvetica"/>
-                <a:cs typeface="Helvetica"/>
-                <a:sym typeface="Helvetica"/>
-              </a:defRPr>
-            </a:lvl1pPr>
-          </a:lstStyle>
-          <a:p>
-            <a:r>
-              <a:rPr dirty="0"/>
-              <a:t>Audio</a:t>
-            </a:r>
-          </a:p>
-        </p:txBody>
-      </p:sp>
-      <p:sp>
-        <p:nvSpPr>
-          <p:cNvPr id="131" name="Communicate using high quality audio."/>
-          <p:cNvSpPr txBox="1"/>
-          <p:nvPr/>
-        </p:nvSpPr>
-        <p:spPr>
-          <a:xfrm>
-            <a:off x="13851655" y="7016799"/>
-            <a:ext cx="3320207" cy="1270001"/>
-          </a:xfrm>
-          <a:prstGeom prst="rect">
-            <a:avLst/>
-          </a:prstGeom>
-          <a:ln w="12700">
-            <a:miter lim="400000"/>
-          </a:ln>
-          <a:extLst>
-            <a:ext uri="{C572A759-6A51-4108-AA02-DFA0A04FC94B}">
-              <ma14:wrappingTextBoxFlag xmlns:ma14="http://schemas.microsoft.com/office/mac/drawingml/2011/main" xmlns="" val="1"/>
-            </a:ext>
-          </a:extLst>
-        </p:spPr>
-        <p:txBody>
-          <a:bodyPr lIns="0" tIns="0" rIns="0" bIns="0"/>
-          <a:lstStyle>
-            <a:lvl1pPr algn="l">
-              <a:lnSpc>
-                <a:spcPct val="120000"/>
-              </a:lnSpc>
-              <a:defRPr sz="2200" b="0" spc="66">
-                <a:solidFill>
-                  <a:srgbClr val="504E4E"/>
-                </a:solidFill>
-                <a:latin typeface="Helvetica"/>
-                <a:ea typeface="Helvetica"/>
-                <a:cs typeface="Helvetica"/>
-                <a:sym typeface="Helvetica"/>
-              </a:defRPr>
-            </a:lvl1pPr>
-          </a:lstStyle>
-          <a:p>
-            <a:r>
-              <a:rPr dirty="0"/>
-              <a:t>Communicate using high quality audio.</a:t>
-            </a:r>
-          </a:p>
-        </p:txBody>
-      </p:sp>
-      <p:sp>
-        <p:nvSpPr>
-          <p:cNvPr id="132" name="Circle"/>
-          <p:cNvSpPr/>
-          <p:nvPr/>
-        </p:nvSpPr>
-        <p:spPr>
-          <a:xfrm>
-            <a:off x="12507510" y="6573630"/>
-            <a:ext cx="1016001" cy="1016001"/>
-          </a:xfrm>
-          <a:prstGeom prst="ellipse">
-            <a:avLst/>
-          </a:prstGeom>
-          <a:solidFill>
-            <a:srgbClr val="0E70D7"/>
-          </a:solidFill>
-          <a:ln w="12700">
-            <a:miter lim="400000"/>
-          </a:ln>
-        </p:spPr>
-        <p:txBody>
-          <a:bodyPr lIns="38100" tIns="38100" rIns="38100" bIns="38100" anchor="ctr"/>
-          <a:lstStyle/>
-          <a:p>
-            <a:pPr algn="l">
-              <a:defRPr spc="-90">
-                <a:solidFill>
-                  <a:srgbClr val="0E70D7"/>
-                </a:solidFill>
-                <a:latin typeface="Helvetica"/>
-                <a:ea typeface="Helvetica"/>
-                <a:cs typeface="Helvetica"/>
-                <a:sym typeface="Helvetica"/>
-              </a:defRPr>
-            </a:pPr>
-            <a:endParaRPr/>
-          </a:p>
-        </p:txBody>
-      </p:sp>
-      <p:sp>
-        <p:nvSpPr>
-          <p:cNvPr id="133" name="Emojis"/>
-          <p:cNvSpPr txBox="1"/>
-          <p:nvPr/>
-        </p:nvSpPr>
-        <p:spPr>
-          <a:xfrm>
-            <a:off x="18844150" y="6546899"/>
-            <a:ext cx="3320208" cy="304801"/>
-          </a:xfrm>
-          <a:prstGeom prst="rect">
-            <a:avLst/>
-          </a:prstGeom>
-          <a:ln w="12700">
-            <a:miter lim="400000"/>
-          </a:ln>
-          <a:extLst>
-            <a:ext uri="{C572A759-6A51-4108-AA02-DFA0A04FC94B}">
-              <ma14:wrappingTextBoxFlag xmlns:ma14="http://schemas.microsoft.com/office/mac/drawingml/2011/main" xmlns="" val="1"/>
-            </a:ext>
-          </a:extLst>
-        </p:spPr>
-        <p:txBody>
-          <a:bodyPr lIns="0" tIns="0" rIns="0" bIns="0">
-            <a:spAutoFit/>
-          </a:bodyPr>
-          <a:lstStyle>
-            <a:lvl1pPr algn="l">
-              <a:defRPr sz="2000" cap="all" spc="100">
-                <a:solidFill>
-                  <a:srgbClr val="24262C"/>
-                </a:solidFill>
-                <a:latin typeface="Helvetica"/>
-                <a:ea typeface="Helvetica"/>
-                <a:cs typeface="Helvetica"/>
-                <a:sym typeface="Helvetica"/>
-              </a:defRPr>
-            </a:lvl1pPr>
-          </a:lstStyle>
-          <a:p>
-            <a:r>
-              <a:t>Emojis</a:t>
-            </a:r>
-          </a:p>
-        </p:txBody>
-      </p:sp>
-      <p:sp>
-        <p:nvSpPr>
-          <p:cNvPr id="134" name="Express yourself."/>
-          <p:cNvSpPr txBox="1"/>
-          <p:nvPr/>
-        </p:nvSpPr>
-        <p:spPr>
-          <a:xfrm>
-            <a:off x="18844150" y="7016799"/>
-            <a:ext cx="3320208" cy="1270001"/>
-          </a:xfrm>
-          <a:prstGeom prst="rect">
-            <a:avLst/>
-          </a:prstGeom>
-          <a:ln w="12700">
-            <a:miter lim="400000"/>
-          </a:ln>
-          <a:extLst>
-            <a:ext uri="{C572A759-6A51-4108-AA02-DFA0A04FC94B}">
-              <ma14:wrappingTextBoxFlag xmlns:ma14="http://schemas.microsoft.com/office/mac/drawingml/2011/main" xmlns="" val="1"/>
-            </a:ext>
-          </a:extLst>
-        </p:spPr>
-        <p:txBody>
-          <a:bodyPr lIns="0" tIns="0" rIns="0" bIns="0"/>
-          <a:lstStyle>
-            <a:lvl1pPr algn="l">
-              <a:lnSpc>
-                <a:spcPct val="120000"/>
-              </a:lnSpc>
-              <a:defRPr sz="2200" b="0" spc="66">
-                <a:solidFill>
-                  <a:srgbClr val="504E4E"/>
-                </a:solidFill>
-                <a:latin typeface="Helvetica"/>
-                <a:ea typeface="Helvetica"/>
-                <a:cs typeface="Helvetica"/>
-                <a:sym typeface="Helvetica"/>
-              </a:defRPr>
-            </a:lvl1pPr>
-          </a:lstStyle>
-          <a:p>
-            <a:r>
-              <a:t>Express yourself.</a:t>
-            </a:r>
-          </a:p>
-        </p:txBody>
-      </p:sp>
-      <p:sp>
-        <p:nvSpPr>
-          <p:cNvPr id="135" name="Circle"/>
-          <p:cNvSpPr/>
-          <p:nvPr/>
-        </p:nvSpPr>
-        <p:spPr>
-          <a:xfrm>
-            <a:off x="17500006" y="6573630"/>
-            <a:ext cx="1016001" cy="1016001"/>
-          </a:xfrm>
-          <a:prstGeom prst="ellipse">
-            <a:avLst/>
-          </a:prstGeom>
-          <a:solidFill>
-            <a:srgbClr val="0E70D7"/>
-          </a:solidFill>
-          <a:ln w="12700">
-            <a:miter lim="400000"/>
-          </a:ln>
-        </p:spPr>
-        <p:txBody>
-          <a:bodyPr lIns="38100" tIns="38100" rIns="38100" bIns="38100" anchor="ctr"/>
-          <a:lstStyle/>
-          <a:p>
-            <a:pPr algn="l">
-              <a:defRPr spc="-90">
-                <a:solidFill>
-                  <a:srgbClr val="0E70D7"/>
-                </a:solidFill>
-                <a:latin typeface="Helvetica"/>
-                <a:ea typeface="Helvetica"/>
-                <a:cs typeface="Helvetica"/>
-                <a:sym typeface="Helvetica"/>
-              </a:defRPr>
-            </a:pPr>
-            <a:endParaRPr/>
-          </a:p>
-        </p:txBody>
-      </p:sp>
-      <p:sp>
-        <p:nvSpPr>
-          <p:cNvPr id="136" name="BREAKOUT ROOMS"/>
-          <p:cNvSpPr txBox="1"/>
-          <p:nvPr/>
-        </p:nvSpPr>
-        <p:spPr>
-          <a:xfrm>
-            <a:off x="3549164" y="8909099"/>
-            <a:ext cx="4117877" cy="304801"/>
-          </a:xfrm>
-          <a:prstGeom prst="rect">
-            <a:avLst/>
-          </a:prstGeom>
-          <a:ln w="12700">
-            <a:miter lim="400000"/>
-          </a:ln>
-          <a:extLst>
-            <a:ext uri="{C572A759-6A51-4108-AA02-DFA0A04FC94B}">
-              <ma14:wrappingTextBoxFlag xmlns:ma14="http://schemas.microsoft.com/office/mac/drawingml/2011/main" xmlns="" val="1"/>
-            </a:ext>
-          </a:extLst>
-        </p:spPr>
-        <p:txBody>
-          <a:bodyPr lIns="0" tIns="0" rIns="0" bIns="0">
-            <a:spAutoFit/>
-          </a:bodyPr>
-          <a:lstStyle>
-            <a:lvl1pPr algn="l">
-              <a:defRPr sz="2000" cap="all" spc="100">
-                <a:solidFill>
-                  <a:srgbClr val="24262C"/>
-                </a:solidFill>
-                <a:latin typeface="Helvetica"/>
-                <a:ea typeface="Helvetica"/>
-                <a:cs typeface="Helvetica"/>
-                <a:sym typeface="Helvetica"/>
-              </a:defRPr>
-            </a:lvl1pPr>
-          </a:lstStyle>
-          <a:p>
-            <a:r>
-              <a:t>BREAKOUT ROOMS</a:t>
-            </a:r>
-          </a:p>
-        </p:txBody>
-      </p:sp>
-      <p:sp>
-        <p:nvSpPr>
-          <p:cNvPr id="137" name="Group users into breakout rooms for team collaboration."/>
-          <p:cNvSpPr txBox="1"/>
-          <p:nvPr/>
-        </p:nvSpPr>
-        <p:spPr>
-          <a:xfrm>
-            <a:off x="3549164" y="9378999"/>
-            <a:ext cx="3320208" cy="1270001"/>
-          </a:xfrm>
-          <a:prstGeom prst="rect">
-            <a:avLst/>
-          </a:prstGeom>
-          <a:ln w="12700">
-            <a:miter lim="400000"/>
-          </a:ln>
-          <a:extLst>
-            <a:ext uri="{C572A759-6A51-4108-AA02-DFA0A04FC94B}">
-              <ma14:wrappingTextBoxFlag xmlns:ma14="http://schemas.microsoft.com/office/mac/drawingml/2011/main" xmlns="" val="1"/>
-            </a:ext>
-          </a:extLst>
-        </p:spPr>
-        <p:txBody>
-          <a:bodyPr lIns="0" tIns="0" rIns="0" bIns="0"/>
-          <a:lstStyle>
-            <a:lvl1pPr algn="l">
-              <a:lnSpc>
-                <a:spcPct val="120000"/>
-              </a:lnSpc>
-              <a:defRPr sz="2200" b="0" spc="66">
-                <a:solidFill>
-                  <a:srgbClr val="504E4E"/>
-                </a:solidFill>
-                <a:latin typeface="Helvetica"/>
-                <a:ea typeface="Helvetica"/>
-                <a:cs typeface="Helvetica"/>
-                <a:sym typeface="Helvetica"/>
-              </a:defRPr>
-            </a:lvl1pPr>
-          </a:lstStyle>
-          <a:p>
-            <a:r>
-              <a:t>Group users into breakout rooms for team collaboration.</a:t>
-            </a:r>
-          </a:p>
-        </p:txBody>
-      </p:sp>
-      <p:sp>
-        <p:nvSpPr>
-          <p:cNvPr id="138" name="Circle"/>
-          <p:cNvSpPr/>
-          <p:nvPr/>
-        </p:nvSpPr>
-        <p:spPr>
-          <a:xfrm>
-            <a:off x="2205020" y="8935830"/>
-            <a:ext cx="1016001" cy="1016001"/>
-          </a:xfrm>
-          <a:prstGeom prst="ellipse">
-            <a:avLst/>
-          </a:prstGeom>
-          <a:solidFill>
-            <a:srgbClr val="0E70D7"/>
-          </a:solidFill>
-          <a:ln w="12700">
-            <a:miter lim="400000"/>
-          </a:ln>
-        </p:spPr>
-        <p:txBody>
-          <a:bodyPr lIns="38100" tIns="38100" rIns="38100" bIns="38100" anchor="ctr"/>
-          <a:lstStyle/>
-          <a:p>
-            <a:pPr algn="l">
-              <a:defRPr spc="-90">
-                <a:solidFill>
-                  <a:srgbClr val="0E70D7"/>
-                </a:solidFill>
-                <a:latin typeface="Helvetica"/>
-                <a:ea typeface="Helvetica"/>
-                <a:cs typeface="Helvetica"/>
-                <a:sym typeface="Helvetica"/>
-              </a:defRPr>
-            </a:pPr>
-            <a:endParaRPr/>
-          </a:p>
-        </p:txBody>
-      </p:sp>
-      <p:sp>
-        <p:nvSpPr>
-          <p:cNvPr id="139" name="Polling"/>
-          <p:cNvSpPr txBox="1"/>
-          <p:nvPr/>
-        </p:nvSpPr>
-        <p:spPr>
-          <a:xfrm>
-            <a:off x="8541660" y="8909099"/>
-            <a:ext cx="3320207" cy="304801"/>
-          </a:xfrm>
-          <a:prstGeom prst="rect">
-            <a:avLst/>
-          </a:prstGeom>
-          <a:ln w="12700">
-            <a:miter lim="400000"/>
-          </a:ln>
-          <a:extLst>
-            <a:ext uri="{C572A759-6A51-4108-AA02-DFA0A04FC94B}">
-              <ma14:wrappingTextBoxFlag xmlns:ma14="http://schemas.microsoft.com/office/mac/drawingml/2011/main" xmlns="" val="1"/>
-            </a:ext>
-          </a:extLst>
-        </p:spPr>
-        <p:txBody>
-          <a:bodyPr lIns="0" tIns="0" rIns="0" bIns="0">
-            <a:spAutoFit/>
-          </a:bodyPr>
-          <a:lstStyle>
-            <a:lvl1pPr algn="l">
-              <a:defRPr sz="2000" cap="all" spc="100">
-                <a:solidFill>
-                  <a:srgbClr val="24262C"/>
-                </a:solidFill>
-                <a:latin typeface="Helvetica"/>
-                <a:ea typeface="Helvetica"/>
-                <a:cs typeface="Helvetica"/>
-                <a:sym typeface="Helvetica"/>
-              </a:defRPr>
-            </a:lvl1pPr>
-          </a:lstStyle>
-          <a:p>
-            <a:r>
-              <a:t>Polling</a:t>
-            </a:r>
-          </a:p>
-        </p:txBody>
-      </p:sp>
-      <p:sp>
-        <p:nvSpPr>
-          <p:cNvPr id="140" name="Poll your users anytime."/>
-          <p:cNvSpPr txBox="1"/>
-          <p:nvPr/>
-        </p:nvSpPr>
-        <p:spPr>
-          <a:xfrm>
-            <a:off x="8541660" y="9378999"/>
-            <a:ext cx="3320207" cy="1270001"/>
-          </a:xfrm>
-          <a:prstGeom prst="rect">
-            <a:avLst/>
-          </a:prstGeom>
-          <a:ln w="12700">
-            <a:miter lim="400000"/>
-          </a:ln>
-          <a:extLst>
-            <a:ext uri="{C572A759-6A51-4108-AA02-DFA0A04FC94B}">
-              <ma14:wrappingTextBoxFlag xmlns:ma14="http://schemas.microsoft.com/office/mac/drawingml/2011/main" xmlns="" val="1"/>
-            </a:ext>
-          </a:extLst>
-        </p:spPr>
-        <p:txBody>
-          <a:bodyPr lIns="0" tIns="0" rIns="0" bIns="0"/>
-          <a:lstStyle>
-            <a:lvl1pPr algn="l">
-              <a:lnSpc>
-                <a:spcPct val="120000"/>
-              </a:lnSpc>
-              <a:defRPr sz="2200" b="0" spc="66">
-                <a:solidFill>
-                  <a:srgbClr val="504E4E"/>
-                </a:solidFill>
-                <a:latin typeface="Helvetica"/>
-                <a:ea typeface="Helvetica"/>
-                <a:cs typeface="Helvetica"/>
-                <a:sym typeface="Helvetica"/>
-              </a:defRPr>
-            </a:lvl1pPr>
-          </a:lstStyle>
-          <a:p>
-            <a:r>
-              <a:t>Poll your users anytime.</a:t>
-            </a:r>
-          </a:p>
-        </p:txBody>
-      </p:sp>
-      <p:sp>
-        <p:nvSpPr>
-          <p:cNvPr id="141" name="Circle"/>
-          <p:cNvSpPr/>
-          <p:nvPr/>
-        </p:nvSpPr>
-        <p:spPr>
-          <a:xfrm>
-            <a:off x="7197515" y="8935830"/>
-            <a:ext cx="1016001" cy="1016001"/>
-          </a:xfrm>
-          <a:prstGeom prst="ellipse">
-            <a:avLst/>
-          </a:prstGeom>
-          <a:solidFill>
-            <a:srgbClr val="0E70D7"/>
-          </a:solidFill>
-          <a:ln w="12700">
-            <a:miter lim="400000"/>
-          </a:ln>
-        </p:spPr>
-        <p:txBody>
-          <a:bodyPr lIns="38100" tIns="38100" rIns="38100" bIns="38100" anchor="ctr"/>
-          <a:lstStyle/>
-          <a:p>
-            <a:pPr algn="l">
-              <a:defRPr spc="-90">
-                <a:solidFill>
-                  <a:srgbClr val="0E70D7"/>
-                </a:solidFill>
-                <a:latin typeface="Helvetica"/>
-                <a:ea typeface="Helvetica"/>
-                <a:cs typeface="Helvetica"/>
-                <a:sym typeface="Helvetica"/>
-              </a:defRPr>
-            </a:pPr>
-            <a:endParaRPr/>
-          </a:p>
-        </p:txBody>
-      </p:sp>
-      <p:sp>
-        <p:nvSpPr>
-          <p:cNvPr id="142" name="Screensharing"/>
-          <p:cNvSpPr txBox="1"/>
-          <p:nvPr/>
-        </p:nvSpPr>
-        <p:spPr>
-          <a:xfrm>
-            <a:off x="13851655" y="8909099"/>
-            <a:ext cx="3320207" cy="304801"/>
-          </a:xfrm>
-          <a:prstGeom prst="rect">
-            <a:avLst/>
-          </a:prstGeom>
-          <a:ln w="12700">
-            <a:miter lim="400000"/>
-          </a:ln>
-          <a:extLst>
-            <a:ext uri="{C572A759-6A51-4108-AA02-DFA0A04FC94B}">
-              <ma14:wrappingTextBoxFlag xmlns:ma14="http://schemas.microsoft.com/office/mac/drawingml/2011/main" xmlns="" val="1"/>
-            </a:ext>
-          </a:extLst>
-        </p:spPr>
-        <p:txBody>
-          <a:bodyPr lIns="0" tIns="0" rIns="0" bIns="0">
-            <a:spAutoFit/>
-          </a:bodyPr>
-          <a:lstStyle>
-            <a:lvl1pPr algn="l">
-              <a:defRPr sz="2000" cap="all" spc="100">
-                <a:solidFill>
-                  <a:srgbClr val="24262C"/>
-                </a:solidFill>
-                <a:latin typeface="Helvetica"/>
-                <a:ea typeface="Helvetica"/>
-                <a:cs typeface="Helvetica"/>
-                <a:sym typeface="Helvetica"/>
-              </a:defRPr>
-            </a:lvl1pPr>
-          </a:lstStyle>
-          <a:p>
-            <a:r>
-              <a:rPr dirty="0"/>
-              <a:t>Screen</a:t>
-            </a:r>
-            <a:r>
-              <a:rPr lang="en-US" dirty="0"/>
-              <a:t> </a:t>
-            </a:r>
-            <a:r>
-              <a:rPr dirty="0"/>
-              <a:t>sharing</a:t>
-            </a:r>
-          </a:p>
-        </p:txBody>
-      </p:sp>
-      <p:sp>
-        <p:nvSpPr>
-          <p:cNvPr id="143" name="Share your screen."/>
-          <p:cNvSpPr txBox="1"/>
-          <p:nvPr/>
-        </p:nvSpPr>
-        <p:spPr>
-          <a:xfrm>
-            <a:off x="13851655" y="9378999"/>
-            <a:ext cx="3320207" cy="1270001"/>
-          </a:xfrm>
-          <a:prstGeom prst="rect">
-            <a:avLst/>
-          </a:prstGeom>
-          <a:ln w="12700">
-            <a:miter lim="400000"/>
-          </a:ln>
-          <a:extLst>
-            <a:ext uri="{C572A759-6A51-4108-AA02-DFA0A04FC94B}">
-              <ma14:wrappingTextBoxFlag xmlns:ma14="http://schemas.microsoft.com/office/mac/drawingml/2011/main" xmlns="" val="1"/>
-            </a:ext>
-          </a:extLst>
-        </p:spPr>
-        <p:txBody>
-          <a:bodyPr lIns="0" tIns="0" rIns="0" bIns="0"/>
-          <a:lstStyle>
-            <a:lvl1pPr algn="l">
-              <a:lnSpc>
-                <a:spcPct val="120000"/>
-              </a:lnSpc>
-              <a:defRPr sz="2200" b="0" spc="66">
-                <a:solidFill>
-                  <a:srgbClr val="504E4E"/>
-                </a:solidFill>
-                <a:latin typeface="Helvetica"/>
-                <a:ea typeface="Helvetica"/>
-                <a:cs typeface="Helvetica"/>
-                <a:sym typeface="Helvetica"/>
-              </a:defRPr>
-            </a:lvl1pPr>
-          </a:lstStyle>
-          <a:p>
-            <a:r>
-              <a:t>Share your screen.</a:t>
-            </a:r>
-          </a:p>
-        </p:txBody>
-      </p:sp>
-      <p:sp>
-        <p:nvSpPr>
-          <p:cNvPr id="144" name="Circle"/>
-          <p:cNvSpPr/>
-          <p:nvPr/>
-        </p:nvSpPr>
-        <p:spPr>
-          <a:xfrm>
-            <a:off x="12507510" y="8935830"/>
-            <a:ext cx="1016001" cy="1016001"/>
-          </a:xfrm>
-          <a:prstGeom prst="ellipse">
-            <a:avLst/>
-          </a:prstGeom>
-          <a:solidFill>
-            <a:srgbClr val="0E70D7"/>
-          </a:solidFill>
-          <a:ln w="12700">
-            <a:miter lim="400000"/>
-          </a:ln>
-        </p:spPr>
-        <p:txBody>
-          <a:bodyPr lIns="38100" tIns="38100" rIns="38100" bIns="38100" anchor="ctr"/>
-          <a:lstStyle/>
-          <a:p>
-            <a:pPr algn="l">
-              <a:defRPr spc="-90">
-                <a:solidFill>
-                  <a:srgbClr val="0E70D7"/>
-                </a:solidFill>
-                <a:latin typeface="Helvetica"/>
-                <a:ea typeface="Helvetica"/>
-                <a:cs typeface="Helvetica"/>
-                <a:sym typeface="Helvetica"/>
-              </a:defRPr>
-            </a:pPr>
-            <a:endParaRPr/>
-          </a:p>
-        </p:txBody>
-      </p:sp>
-      <p:sp>
-        <p:nvSpPr>
-          <p:cNvPr id="145" name="Multi-user whiteboard"/>
-          <p:cNvSpPr txBox="1"/>
-          <p:nvPr/>
-        </p:nvSpPr>
-        <p:spPr>
-          <a:xfrm>
-            <a:off x="18844150" y="8909099"/>
-            <a:ext cx="3667461" cy="304801"/>
-          </a:xfrm>
-          <a:prstGeom prst="rect">
-            <a:avLst/>
-          </a:prstGeom>
-          <a:ln w="12700">
-            <a:miter lim="400000"/>
-          </a:ln>
-          <a:extLst>
-            <a:ext uri="{C572A759-6A51-4108-AA02-DFA0A04FC94B}">
-              <ma14:wrappingTextBoxFlag xmlns:ma14="http://schemas.microsoft.com/office/mac/drawingml/2011/main" xmlns="" val="1"/>
-            </a:ext>
-          </a:extLst>
-        </p:spPr>
-        <p:txBody>
-          <a:bodyPr lIns="0" tIns="0" rIns="0" bIns="0">
-            <a:spAutoFit/>
-          </a:bodyPr>
-          <a:lstStyle>
-            <a:lvl1pPr algn="l">
-              <a:defRPr sz="2000" cap="all" spc="100">
-                <a:solidFill>
-                  <a:srgbClr val="24262C"/>
-                </a:solidFill>
-                <a:latin typeface="Helvetica"/>
-                <a:ea typeface="Helvetica"/>
-                <a:cs typeface="Helvetica"/>
-                <a:sym typeface="Helvetica"/>
-              </a:defRPr>
-            </a:lvl1pPr>
-          </a:lstStyle>
-          <a:p>
-            <a:r>
-              <a:t>Multi-user whiteboard</a:t>
-            </a:r>
-          </a:p>
-        </p:txBody>
-      </p:sp>
-      <p:sp>
-        <p:nvSpPr>
-          <p:cNvPr id="146" name="Draw together."/>
-          <p:cNvSpPr txBox="1"/>
-          <p:nvPr/>
-        </p:nvSpPr>
-        <p:spPr>
-          <a:xfrm>
-            <a:off x="18844150" y="9378999"/>
-            <a:ext cx="3320208" cy="1270001"/>
-          </a:xfrm>
-          <a:prstGeom prst="rect">
-            <a:avLst/>
-          </a:prstGeom>
-          <a:ln w="12700">
-            <a:miter lim="400000"/>
-          </a:ln>
-          <a:extLst>
-            <a:ext uri="{C572A759-6A51-4108-AA02-DFA0A04FC94B}">
-              <ma14:wrappingTextBoxFlag xmlns:ma14="http://schemas.microsoft.com/office/mac/drawingml/2011/main" xmlns="" val="1"/>
-            </a:ext>
-          </a:extLst>
-        </p:spPr>
-        <p:txBody>
-          <a:bodyPr lIns="0" tIns="0" rIns="0" bIns="0"/>
-          <a:lstStyle>
-            <a:lvl1pPr algn="l">
-              <a:lnSpc>
-                <a:spcPct val="120000"/>
-              </a:lnSpc>
-              <a:defRPr sz="2200" b="0" spc="66">
-                <a:solidFill>
-                  <a:srgbClr val="504E4E"/>
-                </a:solidFill>
-                <a:latin typeface="Helvetica"/>
-                <a:ea typeface="Helvetica"/>
-                <a:cs typeface="Helvetica"/>
-                <a:sym typeface="Helvetica"/>
-              </a:defRPr>
-            </a:lvl1pPr>
-          </a:lstStyle>
-          <a:p>
-            <a:r>
-              <a:t>Draw together.</a:t>
-            </a:r>
-          </a:p>
-        </p:txBody>
-      </p:sp>
-      <p:sp>
-        <p:nvSpPr>
-          <p:cNvPr id="147" name="Circle"/>
-          <p:cNvSpPr/>
-          <p:nvPr/>
-        </p:nvSpPr>
-        <p:spPr>
-          <a:xfrm>
-            <a:off x="17500006" y="8935830"/>
-            <a:ext cx="1016001" cy="1016001"/>
-          </a:xfrm>
-          <a:prstGeom prst="ellipse">
-            <a:avLst/>
-          </a:prstGeom>
-          <a:solidFill>
-            <a:srgbClr val="0E70D7"/>
-          </a:solidFill>
-          <a:ln w="12700">
-            <a:miter lim="400000"/>
-          </a:ln>
-        </p:spPr>
-        <p:txBody>
-          <a:bodyPr lIns="38100" tIns="38100" rIns="38100" bIns="38100" anchor="ctr"/>
-          <a:lstStyle/>
-          <a:p>
-            <a:pPr algn="l">
-              <a:defRPr spc="-90">
-                <a:solidFill>
-                  <a:srgbClr val="0E70D7"/>
-                </a:solidFill>
-                <a:latin typeface="Helvetica"/>
-                <a:ea typeface="Helvetica"/>
-                <a:cs typeface="Helvetica"/>
-                <a:sym typeface="Helvetica"/>
-              </a:defRPr>
-            </a:pPr>
-            <a:endParaRPr/>
-          </a:p>
-        </p:txBody>
-      </p:sp>
-      <p:sp>
-        <p:nvSpPr>
-          <p:cNvPr id="148" name="For more information visit bigbluebutton.org →"/>
-          <p:cNvSpPr txBox="1"/>
-          <p:nvPr/>
-        </p:nvSpPr>
-        <p:spPr>
-          <a:xfrm>
-            <a:off x="6746255" y="11747599"/>
-            <a:ext cx="10561291" cy="711201"/>
-          </a:xfrm>
-          <a:prstGeom prst="rect">
-            <a:avLst/>
-          </a:prstGeom>
-          <a:ln w="12700">
-            <a:miter lim="400000"/>
-          </a:ln>
-          <a:extLst>
-            <a:ext uri="{C572A759-6A51-4108-AA02-DFA0A04FC94B}">
-              <ma14:wrappingTextBoxFlag xmlns:ma14="http://schemas.microsoft.com/office/mac/drawingml/2011/main" xmlns="" val="1"/>
-            </a:ext>
-          </a:extLst>
-        </p:spPr>
-        <p:txBody>
-          <a:bodyPr wrap="none" lIns="50800" tIns="50800" rIns="50800" bIns="50800" anchor="ctr">
+          <a:bodyPr rot="0" spcFirstLastPara="1" vertOverflow="overflow" horzOverflow="overflow" vert="horz" wrap="square" lIns="50800" tIns="50800" rIns="50800" bIns="50800" numCol="1" spcCol="38100" rtlCol="0" anchor="ctr">
             <a:spAutoFit/>
           </a:bodyPr>
           <a:lstStyle/>
           <a:p>
-            <a:pPr>
-              <a:defRPr sz="4000" b="0">
+            <a:pPr marL="0" marR="0" indent="0" algn="ctr" defTabSz="825500" rtl="0" fontAlgn="auto" latinLnBrk="0" hangingPunct="0">
+              <a:lnSpc>
+                <a:spcPct val="100000"/>
+              </a:lnSpc>
+              <a:spcBef>
+                <a:spcPts val="0"/>
+              </a:spcBef>
+              <a:spcAft>
+                <a:spcPts val="0"/>
+              </a:spcAft>
+              <a:buClrTx/>
+              <a:buSzTx/>
+              <a:buFontTx/>
+              <a:buNone/>
+              <a:tabLst/>
+            </a:pPr>
+            <a:r>
+              <a:rPr kumimoji="0" lang="en-US" sz="3000" b="1" i="0" u="none" strike="noStrike" cap="none" spc="0" normalizeH="0" baseline="0" dirty="0">
+                <a:ln>
+                  <a:noFill/>
+                </a:ln>
                 <a:solidFill>
-                  <a:srgbClr val="4E5A66"/>
+                  <a:srgbClr val="000000"/>
                 </a:solidFill>
-                <a:latin typeface="Helvetica"/>
-                <a:ea typeface="Helvetica"/>
-                <a:cs typeface="Helvetica"/>
-                <a:sym typeface="Helvetica"/>
-              </a:defRPr>
-            </a:pPr>
-            <a:r>
-              <a:rPr dirty="0"/>
-              <a:t>For more information visit </a:t>
-            </a:r>
-            <a:r>
-              <a:rPr u="sng" dirty="0">
-                <a:solidFill>
-                  <a:srgbClr val="0E70D7"/>
-                </a:solidFill>
-                <a:hlinkClick r:id="rId2"/>
+                <a:effectLst/>
+                <a:uFillTx/>
+                <a:latin typeface="Helvetica Neue"/>
+                <a:ea typeface="Helvetica Neue"/>
+                <a:cs typeface="Helvetica Neue"/>
+                <a:sym typeface="Helvetica Neue"/>
               </a:rPr>
-              <a:t>bigbluebutton.org →</a:t>
-            </a:r>
-            <a:endParaRPr u="sng" dirty="0">
+              <a:t>Thi</a:t>
+            </a:r>
+            <a:r>
+              <a:rPr lang="en-US" dirty="0"/>
+              <a:t>s slide left blank for whiteboard</a:t>
+            </a:r>
+            <a:endParaRPr kumimoji="0" lang="en-US" sz="3000" b="1" i="0" u="none" strike="noStrike" cap="none" spc="0" normalizeH="0" baseline="0" dirty="0">
+              <a:ln>
+                <a:noFill/>
+              </a:ln>
               <a:solidFill>
-                <a:srgbClr val="0E70D7"/>
+                <a:srgbClr val="000000"/>
               </a:solidFill>
-              <a:hlinkClick r:id="rId3"/>
+              <a:effectLst/>
+              <a:uFillTx/>
+              <a:latin typeface="Helvetica Neue"/>
+              <a:ea typeface="Helvetica Neue"/>
+              <a:cs typeface="Helvetica Neue"/>
+              <a:sym typeface="Helvetica Neue"/>
             </a:endParaRPr>
           </a:p>
         </p:txBody>
       </p:sp>
-      <p:pic>
-        <p:nvPicPr>
-          <p:cNvPr id="149" name="Image" descr="Image"/>
-          <p:cNvPicPr>
-            <a:picLocks noChangeAspect="1"/>
-          </p:cNvPicPr>
-          <p:nvPr/>
-        </p:nvPicPr>
-        <p:blipFill>
-          <a:blip r:embed="rId4"/>
-          <a:stretch>
-            <a:fillRect/>
-          </a:stretch>
-        </p:blipFill>
-        <p:spPr>
-          <a:xfrm>
-            <a:off x="2484202" y="6853030"/>
-            <a:ext cx="457637" cy="457201"/>
-          </a:xfrm>
-          <a:prstGeom prst="rect">
-            <a:avLst/>
-          </a:prstGeom>
-          <a:ln w="12700">
-            <a:miter lim="400000"/>
-          </a:ln>
-        </p:spPr>
-      </p:pic>
-      <p:pic>
-        <p:nvPicPr>
-          <p:cNvPr id="150" name="Image" descr="Image"/>
-          <p:cNvPicPr>
-            <a:picLocks noChangeAspect="1"/>
-          </p:cNvPicPr>
-          <p:nvPr/>
-        </p:nvPicPr>
-        <p:blipFill>
-          <a:blip r:embed="rId5"/>
-          <a:stretch>
-            <a:fillRect/>
-          </a:stretch>
-        </p:blipFill>
-        <p:spPr>
-          <a:xfrm>
-            <a:off x="7477482" y="6934299"/>
-            <a:ext cx="494386" cy="294663"/>
-          </a:xfrm>
-          <a:prstGeom prst="rect">
-            <a:avLst/>
-          </a:prstGeom>
-          <a:ln w="12700">
-            <a:miter lim="400000"/>
-          </a:ln>
-        </p:spPr>
-      </p:pic>
-      <p:pic>
-        <p:nvPicPr>
-          <p:cNvPr id="151" name="Image" descr="Image"/>
-          <p:cNvPicPr>
-            <a:picLocks noChangeAspect="1"/>
-          </p:cNvPicPr>
-          <p:nvPr/>
-        </p:nvPicPr>
-        <p:blipFill>
-          <a:blip r:embed="rId6"/>
-          <a:stretch>
-            <a:fillRect/>
-          </a:stretch>
-        </p:blipFill>
-        <p:spPr>
-          <a:xfrm>
-            <a:off x="12849850" y="6853030"/>
-            <a:ext cx="331321" cy="457201"/>
-          </a:xfrm>
-          <a:prstGeom prst="rect">
-            <a:avLst/>
-          </a:prstGeom>
-          <a:ln w="12700">
-            <a:miter lim="400000"/>
-          </a:ln>
-        </p:spPr>
-      </p:pic>
-      <p:pic>
-        <p:nvPicPr>
-          <p:cNvPr id="152" name="Image" descr="Image"/>
-          <p:cNvPicPr>
-            <a:picLocks noChangeAspect="1"/>
-          </p:cNvPicPr>
-          <p:nvPr/>
-        </p:nvPicPr>
-        <p:blipFill>
-          <a:blip r:embed="rId7"/>
-          <a:stretch>
-            <a:fillRect/>
-          </a:stretch>
-        </p:blipFill>
-        <p:spPr>
-          <a:xfrm>
-            <a:off x="17792106" y="6856288"/>
-            <a:ext cx="381001" cy="450686"/>
-          </a:xfrm>
-          <a:prstGeom prst="rect">
-            <a:avLst/>
-          </a:prstGeom>
-          <a:ln w="12700">
-            <a:miter lim="400000"/>
-          </a:ln>
-        </p:spPr>
-      </p:pic>
-      <p:pic>
-        <p:nvPicPr>
-          <p:cNvPr id="153" name="Image" descr="Image"/>
-          <p:cNvPicPr>
-            <a:picLocks noChangeAspect="1"/>
-          </p:cNvPicPr>
-          <p:nvPr/>
-        </p:nvPicPr>
-        <p:blipFill>
-          <a:blip r:embed="rId8"/>
-          <a:stretch>
-            <a:fillRect/>
-          </a:stretch>
-        </p:blipFill>
-        <p:spPr>
-          <a:xfrm>
-            <a:off x="17771350" y="9231950"/>
-            <a:ext cx="494386" cy="423761"/>
-          </a:xfrm>
-          <a:prstGeom prst="rect">
-            <a:avLst/>
-          </a:prstGeom>
-          <a:ln w="12700">
-            <a:miter lim="400000"/>
-          </a:ln>
-        </p:spPr>
-      </p:pic>
-      <p:pic>
-        <p:nvPicPr>
-          <p:cNvPr id="154" name="Image" descr="Image"/>
-          <p:cNvPicPr>
-            <a:picLocks noChangeAspect="1"/>
-          </p:cNvPicPr>
-          <p:nvPr/>
-        </p:nvPicPr>
-        <p:blipFill>
-          <a:blip r:embed="rId9"/>
-          <a:stretch>
-            <a:fillRect/>
-          </a:stretch>
-        </p:blipFill>
-        <p:spPr>
-          <a:xfrm>
-            <a:off x="7495857" y="9300978"/>
-            <a:ext cx="457636" cy="285705"/>
-          </a:xfrm>
-          <a:prstGeom prst="rect">
-            <a:avLst/>
-          </a:prstGeom>
-          <a:ln w="12700">
-            <a:miter lim="400000"/>
-          </a:ln>
-        </p:spPr>
-      </p:pic>
-      <p:pic>
-        <p:nvPicPr>
-          <p:cNvPr id="155" name="Image" descr="Image"/>
-          <p:cNvPicPr>
-            <a:picLocks noChangeAspect="1"/>
-          </p:cNvPicPr>
-          <p:nvPr/>
-        </p:nvPicPr>
-        <p:blipFill>
-          <a:blip r:embed="rId10"/>
-          <a:stretch>
-            <a:fillRect/>
-          </a:stretch>
-        </p:blipFill>
-        <p:spPr>
-          <a:xfrm>
-            <a:off x="12778855" y="9231951"/>
-            <a:ext cx="473312" cy="423760"/>
-          </a:xfrm>
-          <a:prstGeom prst="rect">
-            <a:avLst/>
-          </a:prstGeom>
-          <a:ln w="12700">
-            <a:miter lim="400000"/>
-          </a:ln>
-        </p:spPr>
-      </p:pic>
-      <p:pic>
-        <p:nvPicPr>
-          <p:cNvPr id="156" name="Image" descr="Image"/>
-          <p:cNvPicPr>
-            <a:picLocks noChangeAspect="1"/>
-          </p:cNvPicPr>
-          <p:nvPr/>
-        </p:nvPicPr>
-        <p:blipFill>
-          <a:blip r:embed="rId11"/>
-          <a:stretch>
-            <a:fillRect/>
-          </a:stretch>
-        </p:blipFill>
-        <p:spPr>
-          <a:xfrm>
-            <a:off x="2465828" y="9197640"/>
-            <a:ext cx="494385" cy="492381"/>
-          </a:xfrm>
-          <a:prstGeom prst="rect">
-            <a:avLst/>
-          </a:prstGeom>
-          <a:ln w="12700">
-            <a:miter lim="400000"/>
-          </a:ln>
-        </p:spPr>
-      </p:pic>
-      <p:pic>
-        <p:nvPicPr>
-          <p:cNvPr id="157" name="Image" descr="Image"/>
-          <p:cNvPicPr>
-            <a:picLocks noChangeAspect="1"/>
-          </p:cNvPicPr>
-          <p:nvPr/>
-        </p:nvPicPr>
-        <p:blipFill>
-          <a:blip r:embed="rId12"/>
-          <a:srcRect l="15" r="9" b="25"/>
-          <a:stretch>
-            <a:fillRect/>
-          </a:stretch>
-        </p:blipFill>
-        <p:spPr>
-          <a:xfrm>
-            <a:off x="11506993" y="569066"/>
-            <a:ext cx="1596233" cy="1596233"/>
-          </a:xfrm>
-          <a:custGeom>
-            <a:avLst/>
-            <a:gdLst/>
-            <a:ahLst/>
-            <a:cxnLst>
-              <a:cxn ang="0">
-                <a:pos x="wd2" y="hd2"/>
-              </a:cxn>
-              <a:cxn ang="5400000">
-                <a:pos x="wd2" y="hd2"/>
-              </a:cxn>
-              <a:cxn ang="10800000">
-                <a:pos x="wd2" y="hd2"/>
-              </a:cxn>
-              <a:cxn ang="16200000">
-                <a:pos x="wd2" y="hd2"/>
-              </a:cxn>
-            </a:cxnLst>
-            <a:rect l="0" t="0" r="r" b="b"/>
-            <a:pathLst>
-              <a:path w="21600" h="21600" extrusionOk="0">
-                <a:moveTo>
-                  <a:pt x="6165" y="0"/>
-                </a:moveTo>
-                <a:lnTo>
-                  <a:pt x="6122" y="462"/>
-                </a:lnTo>
-                <a:cubicBezTo>
-                  <a:pt x="6083" y="867"/>
-                  <a:pt x="6024" y="931"/>
-                  <a:pt x="5650" y="951"/>
-                </a:cubicBezTo>
-                <a:cubicBezTo>
-                  <a:pt x="5414" y="963"/>
-                  <a:pt x="5151" y="981"/>
-                  <a:pt x="5070" y="988"/>
-                </a:cubicBezTo>
-                <a:cubicBezTo>
-                  <a:pt x="4989" y="995"/>
-                  <a:pt x="4711" y="1198"/>
-                  <a:pt x="4452" y="1434"/>
-                </a:cubicBezTo>
-                <a:cubicBezTo>
-                  <a:pt x="4194" y="1670"/>
-                  <a:pt x="3903" y="1858"/>
-                  <a:pt x="3802" y="1858"/>
-                </a:cubicBezTo>
-                <a:cubicBezTo>
-                  <a:pt x="3702" y="1858"/>
-                  <a:pt x="3548" y="2021"/>
-                  <a:pt x="3459" y="2218"/>
-                </a:cubicBezTo>
-                <a:cubicBezTo>
-                  <a:pt x="3366" y="2422"/>
-                  <a:pt x="3172" y="2578"/>
-                  <a:pt x="3013" y="2578"/>
-                </a:cubicBezTo>
-                <a:cubicBezTo>
-                  <a:pt x="2814" y="2578"/>
-                  <a:pt x="2723" y="2690"/>
-                  <a:pt x="2691" y="2970"/>
-                </a:cubicBezTo>
-                <a:cubicBezTo>
-                  <a:pt x="2659" y="3243"/>
-                  <a:pt x="2551" y="3375"/>
-                  <a:pt x="2342" y="3405"/>
-                </a:cubicBezTo>
-                <a:cubicBezTo>
-                  <a:pt x="2175" y="3429"/>
-                  <a:pt x="1964" y="3611"/>
-                  <a:pt x="1874" y="3808"/>
-                </a:cubicBezTo>
-                <a:cubicBezTo>
-                  <a:pt x="1777" y="4021"/>
-                  <a:pt x="1645" y="4126"/>
-                  <a:pt x="1547" y="4065"/>
-                </a:cubicBezTo>
-                <a:cubicBezTo>
-                  <a:pt x="1442" y="4001"/>
-                  <a:pt x="1424" y="4024"/>
-                  <a:pt x="1493" y="4135"/>
-                </a:cubicBezTo>
-                <a:cubicBezTo>
-                  <a:pt x="1562" y="4247"/>
-                  <a:pt x="1491" y="4338"/>
-                  <a:pt x="1300" y="4388"/>
-                </a:cubicBezTo>
-                <a:cubicBezTo>
-                  <a:pt x="1062" y="4450"/>
-                  <a:pt x="999" y="4580"/>
-                  <a:pt x="999" y="5000"/>
-                </a:cubicBezTo>
-                <a:cubicBezTo>
-                  <a:pt x="999" y="5292"/>
-                  <a:pt x="951" y="5580"/>
-                  <a:pt x="891" y="5639"/>
-                </a:cubicBezTo>
-                <a:cubicBezTo>
-                  <a:pt x="832" y="5698"/>
-                  <a:pt x="784" y="5821"/>
-                  <a:pt x="784" y="5913"/>
-                </a:cubicBezTo>
-                <a:cubicBezTo>
-                  <a:pt x="784" y="6005"/>
-                  <a:pt x="608" y="6103"/>
-                  <a:pt x="392" y="6128"/>
-                </a:cubicBezTo>
-                <a:lnTo>
-                  <a:pt x="0" y="6171"/>
-                </a:lnTo>
-                <a:lnTo>
-                  <a:pt x="0" y="7691"/>
-                </a:lnTo>
-                <a:lnTo>
-                  <a:pt x="5" y="15381"/>
-                </a:lnTo>
-                <a:lnTo>
-                  <a:pt x="462" y="15596"/>
-                </a:lnTo>
-                <a:cubicBezTo>
-                  <a:pt x="766" y="15737"/>
-                  <a:pt x="945" y="15932"/>
-                  <a:pt x="977" y="16165"/>
-                </a:cubicBezTo>
-                <a:cubicBezTo>
-                  <a:pt x="1005" y="16360"/>
-                  <a:pt x="1181" y="16703"/>
-                  <a:pt x="1369" y="16928"/>
-                </a:cubicBezTo>
-                <a:cubicBezTo>
-                  <a:pt x="1567" y="17162"/>
-                  <a:pt x="1713" y="17522"/>
-                  <a:pt x="1713" y="17771"/>
-                </a:cubicBezTo>
-                <a:cubicBezTo>
-                  <a:pt x="1713" y="18157"/>
-                  <a:pt x="1753" y="18191"/>
-                  <a:pt x="2057" y="18115"/>
-                </a:cubicBezTo>
-                <a:cubicBezTo>
-                  <a:pt x="2489" y="18006"/>
-                  <a:pt x="2834" y="18356"/>
-                  <a:pt x="2589" y="18652"/>
-                </a:cubicBezTo>
-                <a:cubicBezTo>
-                  <a:pt x="2378" y="18905"/>
-                  <a:pt x="2718" y="19219"/>
-                  <a:pt x="3061" y="19087"/>
-                </a:cubicBezTo>
-                <a:cubicBezTo>
-                  <a:pt x="3237" y="19019"/>
-                  <a:pt x="3342" y="19112"/>
-                  <a:pt x="3464" y="19436"/>
-                </a:cubicBezTo>
-                <a:cubicBezTo>
-                  <a:pt x="3581" y="19745"/>
-                  <a:pt x="3739" y="19889"/>
-                  <a:pt x="3996" y="19919"/>
-                </a:cubicBezTo>
-                <a:cubicBezTo>
-                  <a:pt x="4242" y="19948"/>
-                  <a:pt x="4374" y="20061"/>
-                  <a:pt x="4404" y="20268"/>
-                </a:cubicBezTo>
-                <a:cubicBezTo>
-                  <a:pt x="4439" y="20514"/>
-                  <a:pt x="4579" y="20596"/>
-                  <a:pt x="5118" y="20676"/>
-                </a:cubicBezTo>
-                <a:cubicBezTo>
-                  <a:pt x="5888" y="20791"/>
-                  <a:pt x="6149" y="20956"/>
-                  <a:pt x="6149" y="21337"/>
-                </a:cubicBezTo>
-                <a:cubicBezTo>
-                  <a:pt x="6149" y="21551"/>
-                  <a:pt x="6577" y="21591"/>
-                  <a:pt x="10843" y="21600"/>
-                </a:cubicBezTo>
-                <a:cubicBezTo>
-                  <a:pt x="15184" y="21592"/>
-                  <a:pt x="15470" y="21552"/>
-                  <a:pt x="15408" y="21315"/>
-                </a:cubicBezTo>
-                <a:cubicBezTo>
-                  <a:pt x="15334" y="21034"/>
-                  <a:pt x="15780" y="20639"/>
-                  <a:pt x="16074" y="20725"/>
-                </a:cubicBezTo>
-                <a:cubicBezTo>
-                  <a:pt x="16142" y="20744"/>
-                  <a:pt x="16343" y="20663"/>
-                  <a:pt x="16520" y="20547"/>
-                </a:cubicBezTo>
-                <a:cubicBezTo>
-                  <a:pt x="16696" y="20432"/>
-                  <a:pt x="17081" y="20292"/>
-                  <a:pt x="17379" y="20236"/>
-                </a:cubicBezTo>
-                <a:cubicBezTo>
-                  <a:pt x="17912" y="20136"/>
-                  <a:pt x="18453" y="19745"/>
-                  <a:pt x="18453" y="19457"/>
-                </a:cubicBezTo>
-                <a:cubicBezTo>
-                  <a:pt x="18453" y="19376"/>
-                  <a:pt x="18554" y="19269"/>
-                  <a:pt x="18678" y="19221"/>
-                </a:cubicBezTo>
-                <a:cubicBezTo>
-                  <a:pt x="18803" y="19173"/>
-                  <a:pt x="18962" y="18983"/>
-                  <a:pt x="19033" y="18797"/>
-                </a:cubicBezTo>
-                <a:cubicBezTo>
-                  <a:pt x="19104" y="18609"/>
-                  <a:pt x="19283" y="18458"/>
-                  <a:pt x="19430" y="18458"/>
-                </a:cubicBezTo>
-                <a:cubicBezTo>
-                  <a:pt x="19775" y="18458"/>
-                  <a:pt x="20089" y="17862"/>
-                  <a:pt x="19978" y="17422"/>
-                </a:cubicBezTo>
-                <a:cubicBezTo>
-                  <a:pt x="19910" y="17151"/>
-                  <a:pt x="19982" y="17008"/>
-                  <a:pt x="20316" y="16761"/>
-                </a:cubicBezTo>
-                <a:cubicBezTo>
-                  <a:pt x="20663" y="16505"/>
-                  <a:pt x="20741" y="16341"/>
-                  <a:pt x="20741" y="15886"/>
-                </a:cubicBezTo>
-                <a:cubicBezTo>
-                  <a:pt x="20741" y="15329"/>
-                  <a:pt x="20929" y="15028"/>
-                  <a:pt x="21101" y="15306"/>
-                </a:cubicBezTo>
-                <a:cubicBezTo>
-                  <a:pt x="21150" y="15386"/>
-                  <a:pt x="21283" y="15451"/>
-                  <a:pt x="21396" y="15451"/>
-                </a:cubicBezTo>
-                <a:cubicBezTo>
-                  <a:pt x="21573" y="15451"/>
-                  <a:pt x="21600" y="14360"/>
-                  <a:pt x="21600" y="7728"/>
-                </a:cubicBezTo>
-                <a:lnTo>
-                  <a:pt x="21600" y="6155"/>
-                </a:lnTo>
-                <a:lnTo>
-                  <a:pt x="21240" y="6155"/>
-                </a:lnTo>
-                <a:cubicBezTo>
-                  <a:pt x="20839" y="6155"/>
-                  <a:pt x="20807" y="6088"/>
-                  <a:pt x="20676" y="5113"/>
-                </a:cubicBezTo>
-                <a:cubicBezTo>
-                  <a:pt x="20607" y="4597"/>
-                  <a:pt x="20521" y="4436"/>
-                  <a:pt x="20333" y="4436"/>
-                </a:cubicBezTo>
-                <a:cubicBezTo>
-                  <a:pt x="20011" y="4436"/>
-                  <a:pt x="19742" y="4161"/>
-                  <a:pt x="19742" y="3835"/>
-                </a:cubicBezTo>
-                <a:cubicBezTo>
-                  <a:pt x="19742" y="3693"/>
-                  <a:pt x="19676" y="3570"/>
-                  <a:pt x="19597" y="3561"/>
-                </a:cubicBezTo>
-                <a:cubicBezTo>
-                  <a:pt x="19518" y="3551"/>
-                  <a:pt x="19377" y="3533"/>
-                  <a:pt x="19280" y="3523"/>
-                </a:cubicBezTo>
-                <a:cubicBezTo>
-                  <a:pt x="19183" y="3513"/>
-                  <a:pt x="19088" y="3319"/>
-                  <a:pt x="19071" y="3093"/>
-                </a:cubicBezTo>
-                <a:cubicBezTo>
-                  <a:pt x="19033" y="2600"/>
-                  <a:pt x="19028" y="2596"/>
-                  <a:pt x="18587" y="2529"/>
-                </a:cubicBezTo>
-                <a:cubicBezTo>
-                  <a:pt x="18361" y="2495"/>
-                  <a:pt x="18225" y="2370"/>
-                  <a:pt x="18195" y="2170"/>
-                </a:cubicBezTo>
-                <a:cubicBezTo>
-                  <a:pt x="18165" y="1969"/>
-                  <a:pt x="18044" y="1858"/>
-                  <a:pt x="17851" y="1858"/>
-                </a:cubicBezTo>
-                <a:cubicBezTo>
-                  <a:pt x="17689" y="1858"/>
-                  <a:pt x="17308" y="1634"/>
-                  <a:pt x="17003" y="1359"/>
-                </a:cubicBezTo>
-                <a:cubicBezTo>
-                  <a:pt x="16632" y="1024"/>
-                  <a:pt x="16309" y="859"/>
-                  <a:pt x="16025" y="859"/>
-                </a:cubicBezTo>
-                <a:cubicBezTo>
-                  <a:pt x="15592" y="859"/>
-                  <a:pt x="15285" y="520"/>
-                  <a:pt x="15408" y="177"/>
-                </a:cubicBezTo>
-                <a:cubicBezTo>
-                  <a:pt x="15459" y="36"/>
-                  <a:pt x="13863" y="0"/>
-                  <a:pt x="7733" y="0"/>
-                </a:cubicBezTo>
-                <a:lnTo>
-                  <a:pt x="6165" y="0"/>
-                </a:lnTo>
-                <a:close/>
-              </a:path>
-            </a:pathLst>
-          </a:custGeom>
-          <a:ln w="12700">
-            <a:miter lim="400000"/>
-          </a:ln>
-        </p:spPr>
-      </p:pic>
     </p:spTree>
+    <p:extLst>
+      <p:ext uri="{BB962C8B-B14F-4D97-AF65-F5344CB8AC3E}">
+        <p14:creationId xmlns:p14="http://schemas.microsoft.com/office/powerpoint/2010/main" val="2227736033"/>
+      </p:ext>
+    </p:extLst>
   </p:cSld>
   <p:clrMapOvr>
     <a:masterClrMapping/>
@@ -5222,7 +3188,7 @@
     </p:spTree>
     <p:extLst>
       <p:ext uri="{BB962C8B-B14F-4D97-AF65-F5344CB8AC3E}">
-        <p14:creationId xmlns:p14="http://schemas.microsoft.com/office/powerpoint/2010/main" val="1775151055"/>
+        <p14:creationId xmlns:p14="http://schemas.microsoft.com/office/powerpoint/2010/main" val="732659638"/>
       </p:ext>
     </p:extLst>
   </p:cSld>
@@ -5347,7 +3313,7 @@
     </p:spTree>
     <p:extLst>
       <p:ext uri="{BB962C8B-B14F-4D97-AF65-F5344CB8AC3E}">
-        <p14:creationId xmlns:p14="http://schemas.microsoft.com/office/powerpoint/2010/main" val="732659638"/>
+        <p14:creationId xmlns:p14="http://schemas.microsoft.com/office/powerpoint/2010/main" val="1834453856"/>
       </p:ext>
     </p:extLst>
   </p:cSld>
@@ -5472,7 +3438,7 @@
     </p:spTree>
     <p:extLst>
       <p:ext uri="{BB962C8B-B14F-4D97-AF65-F5344CB8AC3E}">
-        <p14:creationId xmlns:p14="http://schemas.microsoft.com/office/powerpoint/2010/main" val="1834453856"/>
+        <p14:creationId xmlns:p14="http://schemas.microsoft.com/office/powerpoint/2010/main" val="1519292140"/>
       </p:ext>
     </p:extLst>
   </p:cSld>
@@ -5597,7 +3563,7 @@
     </p:spTree>
     <p:extLst>
       <p:ext uri="{BB962C8B-B14F-4D97-AF65-F5344CB8AC3E}">
-        <p14:creationId xmlns:p14="http://schemas.microsoft.com/office/powerpoint/2010/main" val="1519292140"/>
+        <p14:creationId xmlns:p14="http://schemas.microsoft.com/office/powerpoint/2010/main" val="1967969179"/>
       </p:ext>
     </p:extLst>
   </p:cSld>
@@ -5722,7 +3688,7 @@
     </p:spTree>
     <p:extLst>
       <p:ext uri="{BB962C8B-B14F-4D97-AF65-F5344CB8AC3E}">
-        <p14:creationId xmlns:p14="http://schemas.microsoft.com/office/powerpoint/2010/main" val="1967969179"/>
+        <p14:creationId xmlns:p14="http://schemas.microsoft.com/office/powerpoint/2010/main" val="1019549509"/>
       </p:ext>
     </p:extLst>
   </p:cSld>
@@ -5847,7 +3813,7 @@
     </p:spTree>
     <p:extLst>
       <p:ext uri="{BB962C8B-B14F-4D97-AF65-F5344CB8AC3E}">
-        <p14:creationId xmlns:p14="http://schemas.microsoft.com/office/powerpoint/2010/main" val="1019549509"/>
+        <p14:creationId xmlns:p14="http://schemas.microsoft.com/office/powerpoint/2010/main" val="2091204037"/>
       </p:ext>
     </p:extLst>
   </p:cSld>
@@ -5972,7 +3938,7 @@
     </p:spTree>
     <p:extLst>
       <p:ext uri="{BB962C8B-B14F-4D97-AF65-F5344CB8AC3E}">
-        <p14:creationId xmlns:p14="http://schemas.microsoft.com/office/powerpoint/2010/main" val="2091204037"/>
+        <p14:creationId xmlns:p14="http://schemas.microsoft.com/office/powerpoint/2010/main" val="1879922999"/>
       </p:ext>
     </p:extLst>
   </p:cSld>
@@ -6097,7 +4063,7 @@
     </p:spTree>
     <p:extLst>
       <p:ext uri="{BB962C8B-B14F-4D97-AF65-F5344CB8AC3E}">
-        <p14:creationId xmlns:p14="http://schemas.microsoft.com/office/powerpoint/2010/main" val="1879922999"/>
+        <p14:creationId xmlns:p14="http://schemas.microsoft.com/office/powerpoint/2010/main" val="2219195757"/>
       </p:ext>
     </p:extLst>
   </p:cSld>
@@ -6222,7 +4188,7 @@
     </p:spTree>
     <p:extLst>
       <p:ext uri="{BB962C8B-B14F-4D97-AF65-F5344CB8AC3E}">
-        <p14:creationId xmlns:p14="http://schemas.microsoft.com/office/powerpoint/2010/main" val="2219195757"/>
+        <p14:creationId xmlns:p14="http://schemas.microsoft.com/office/powerpoint/2010/main" val="2411760225"/>
       </p:ext>
     </p:extLst>
   </p:cSld>
@@ -6347,7 +4313,7 @@
     </p:spTree>
     <p:extLst>
       <p:ext uri="{BB962C8B-B14F-4D97-AF65-F5344CB8AC3E}">
-        <p14:creationId xmlns:p14="http://schemas.microsoft.com/office/powerpoint/2010/main" val="2411760225"/>
+        <p14:creationId xmlns:p14="http://schemas.microsoft.com/office/powerpoint/2010/main" val="4198219775"/>
       </p:ext>
     </p:extLst>
   </p:cSld>
@@ -6472,132 +4438,7 @@
     </p:spTree>
     <p:extLst>
       <p:ext uri="{BB962C8B-B14F-4D97-AF65-F5344CB8AC3E}">
-        <p14:creationId xmlns:p14="http://schemas.microsoft.com/office/powerpoint/2010/main" val="2227736033"/>
-      </p:ext>
-    </p:extLst>
-  </p:cSld>
-  <p:clrMapOvr>
-    <a:masterClrMapping/>
-  </p:clrMapOvr>
-  <p:transition spd="med"/>
-</p:sld>
-</file>
-
-<file path=ppt/slides/slide20.xml><?xml version="1.0" encoding="utf-8"?>
-<p:sld xmlns:a="http://schemas.openxmlformats.org/drawingml/2006/main" xmlns:r="http://schemas.openxmlformats.org/officeDocument/2006/relationships" xmlns:p="http://schemas.openxmlformats.org/presentationml/2006/main">
-  <p:cSld>
-    <p:spTree>
-      <p:nvGrpSpPr>
-        <p:cNvPr id="1" name=""/>
-        <p:cNvGrpSpPr/>
-        <p:nvPr/>
-      </p:nvGrpSpPr>
-      <p:grpSpPr>
-        <a:xfrm>
-          <a:off x="0" y="0"/>
-          <a:ext cx="0" cy="0"/>
-          <a:chOff x="0" y="0"/>
-          <a:chExt cx="0" cy="0"/>
-        </a:xfrm>
-      </p:grpSpPr>
-      <p:sp>
-        <p:nvSpPr>
-          <p:cNvPr id="6" name="TextBox 5"/>
-          <p:cNvSpPr txBox="1"/>
-          <p:nvPr/>
-        </p:nvSpPr>
-        <p:spPr>
-          <a:xfrm>
-            <a:off x="6237111" y="12728316"/>
-            <a:ext cx="13095111" cy="564257"/>
-          </a:xfrm>
-          <a:prstGeom prst="rect">
-            <a:avLst/>
-          </a:prstGeom>
-          <a:noFill/>
-          <a:ln w="12700" cap="flat">
-            <a:noFill/>
-            <a:miter lim="400000"/>
-          </a:ln>
-          <a:effectLst/>
-          <a:sp3d/>
-        </p:spPr>
-        <p:style>
-          <a:lnRef idx="0">
-            <a:scrgbClr r="0" g="0" b="0"/>
-          </a:lnRef>
-          <a:fillRef idx="0">
-            <a:scrgbClr r="0" g="0" b="0"/>
-          </a:fillRef>
-          <a:effectRef idx="0">
-            <a:scrgbClr r="0" g="0" b="0"/>
-          </a:effectRef>
-          <a:fontRef idx="none"/>
-        </p:style>
-        <p:txBody>
-          <a:bodyPr rot="0" spcFirstLastPara="1" vertOverflow="overflow" horzOverflow="overflow" vert="horz" wrap="square" lIns="50800" tIns="50800" rIns="50800" bIns="50800" numCol="1" spcCol="38100" rtlCol="0" anchor="ctr">
-            <a:spAutoFit/>
-          </a:bodyPr>
-          <a:lstStyle/>
-          <a:p>
-            <a:pPr marL="0" marR="0" indent="0" algn="ctr" defTabSz="825500" rtl="0" fontAlgn="auto" latinLnBrk="0" hangingPunct="0">
-              <a:lnSpc>
-                <a:spcPct val="100000"/>
-              </a:lnSpc>
-              <a:spcBef>
-                <a:spcPts val="0"/>
-              </a:spcBef>
-              <a:spcAft>
-                <a:spcPts val="0"/>
-              </a:spcAft>
-              <a:buClrTx/>
-              <a:buSzTx/>
-              <a:buFontTx/>
-              <a:buNone/>
-              <a:tabLst/>
-            </a:pPr>
-            <a:r>
-              <a:rPr kumimoji="0" lang="en-US" sz="3000" b="1" i="0" u="none" strike="noStrike" cap="none" spc="0" normalizeH="0" baseline="0" dirty="0">
-                <a:ln>
-                  <a:noFill/>
-                </a:ln>
-                <a:solidFill>
-                  <a:srgbClr val="000000"/>
-                </a:solidFill>
-                <a:effectLst/>
-                <a:uFillTx/>
-                <a:latin typeface="Helvetica Neue"/>
-                <a:ea typeface="Helvetica Neue"/>
-                <a:cs typeface="Helvetica Neue"/>
-                <a:sym typeface="Helvetica Neue"/>
-              </a:rPr>
-              <a:t>Thi</a:t>
-            </a:r>
-            <a:r>
-              <a:rPr lang="en-US" dirty="0"/>
-              <a:t>s slide left blank for whiteboard</a:t>
-            </a:r>
-            <a:endParaRPr kumimoji="0" lang="en-US" sz="3000" b="1" i="0" u="none" strike="noStrike" cap="none" spc="0" normalizeH="0" baseline="0" dirty="0">
-              <a:ln>
-                <a:noFill/>
-              </a:ln>
-              <a:solidFill>
-                <a:srgbClr val="000000"/>
-              </a:solidFill>
-              <a:effectLst/>
-              <a:uFillTx/>
-              <a:latin typeface="Helvetica Neue"/>
-              <a:ea typeface="Helvetica Neue"/>
-              <a:cs typeface="Helvetica Neue"/>
-              <a:sym typeface="Helvetica Neue"/>
-            </a:endParaRPr>
-          </a:p>
-        </p:txBody>
-      </p:sp>
-    </p:spTree>
-    <p:extLst>
-      <p:ext uri="{BB962C8B-B14F-4D97-AF65-F5344CB8AC3E}">
-        <p14:creationId xmlns:p14="http://schemas.microsoft.com/office/powerpoint/2010/main" val="4198219775"/>
+        <p14:creationId xmlns:p14="http://schemas.microsoft.com/office/powerpoint/2010/main" val="2476088095"/>
       </p:ext>
     </p:extLst>
   </p:cSld>
@@ -7097,7 +4938,7 @@
     </p:spTree>
     <p:extLst>
       <p:ext uri="{BB962C8B-B14F-4D97-AF65-F5344CB8AC3E}">
-        <p14:creationId xmlns:p14="http://schemas.microsoft.com/office/powerpoint/2010/main" val="2476088095"/>
+        <p14:creationId xmlns:p14="http://schemas.microsoft.com/office/powerpoint/2010/main" val="176299631"/>
       </p:ext>
     </p:extLst>
   </p:cSld>
@@ -7222,7 +5063,7 @@
     </p:spTree>
     <p:extLst>
       <p:ext uri="{BB962C8B-B14F-4D97-AF65-F5344CB8AC3E}">
-        <p14:creationId xmlns:p14="http://schemas.microsoft.com/office/powerpoint/2010/main" val="176299631"/>
+        <p14:creationId xmlns:p14="http://schemas.microsoft.com/office/powerpoint/2010/main" val="568924102"/>
       </p:ext>
     </p:extLst>
   </p:cSld>
@@ -7347,7 +5188,7 @@
     </p:spTree>
     <p:extLst>
       <p:ext uri="{BB962C8B-B14F-4D97-AF65-F5344CB8AC3E}">
-        <p14:creationId xmlns:p14="http://schemas.microsoft.com/office/powerpoint/2010/main" val="568924102"/>
+        <p14:creationId xmlns:p14="http://schemas.microsoft.com/office/powerpoint/2010/main" val="3755911299"/>
       </p:ext>
     </p:extLst>
   </p:cSld>
@@ -7472,7 +5313,7 @@
     </p:spTree>
     <p:extLst>
       <p:ext uri="{BB962C8B-B14F-4D97-AF65-F5344CB8AC3E}">
-        <p14:creationId xmlns:p14="http://schemas.microsoft.com/office/powerpoint/2010/main" val="3755911299"/>
+        <p14:creationId xmlns:p14="http://schemas.microsoft.com/office/powerpoint/2010/main" val="1775151055"/>
       </p:ext>
     </p:extLst>
   </p:cSld>
